--- a/Battleships/Презентация.pptx
+++ b/Battleships/Презентация.pptx
@@ -22,6 +22,18 @@
       <p:bold r:id="rId11"/>
       <p:italic r:id="rId12"/>
       <p:boldItalic r:id="rId13"/>
+    </p:embeddedFont>
+    <p:embeddedFont>
+      <p:font typeface="Amatic SC"/>
+      <p:regular r:id="rId14"/>
+      <p:bold r:id="rId15"/>
+    </p:embeddedFont>
+    <p:embeddedFont>
+      <p:font typeface="Source Code Pro"/>
+      <p:regular r:id="rId16"/>
+      <p:bold r:id="rId17"/>
+      <p:italic r:id="rId18"/>
+      <p:boldItalic r:id="rId19"/>
     </p:embeddedFont>
   </p:embeddedFontLst>
   <p:defaultTextStyle>
@@ -703,7 +715,7 @@
   <p:cSld>
     <p:spTree>
       <p:nvGrpSpPr>
-        <p:cNvPr id="50" name="Shape 50"/>
+        <p:cNvPr id="52" name="Shape 52"/>
         <p:cNvGrpSpPr/>
         <p:nvPr/>
       </p:nvGrpSpPr>
@@ -717,7 +729,7 @@
       </p:grpSpPr>
       <p:sp>
         <p:nvSpPr>
-          <p:cNvPr id="51" name="Google Shape;51;p:notes"/>
+          <p:cNvPr id="53" name="Google Shape;53;p:notes"/>
           <p:cNvSpPr/>
           <p:nvPr>
             <p:ph idx="2" type="sldImg"/>
@@ -752,7 +764,7 @@
       </p:sp>
       <p:sp>
         <p:nvSpPr>
-          <p:cNvPr id="52" name="Google Shape;52;p:notes"/>
+          <p:cNvPr id="54" name="Google Shape;54;p:notes"/>
           <p:cNvSpPr txBox="1"/>
           <p:nvPr>
             <p:ph idx="1" type="body"/>
@@ -802,7 +814,7 @@
   <p:cSld>
     <p:spTree>
       <p:nvGrpSpPr>
-        <p:cNvPr id="56" name="Shape 56"/>
+        <p:cNvPr id="58" name="Shape 58"/>
         <p:cNvGrpSpPr/>
         <p:nvPr/>
       </p:nvGrpSpPr>
@@ -816,7 +828,7 @@
       </p:grpSpPr>
       <p:sp>
         <p:nvSpPr>
-          <p:cNvPr id="57" name="Google Shape;57;g2b18df1fb44_0_1:notes"/>
+          <p:cNvPr id="59" name="Google Shape;59;g2b18df1fb44_0_1:notes"/>
           <p:cNvSpPr/>
           <p:nvPr>
             <p:ph idx="2" type="sldImg"/>
@@ -851,7 +863,7 @@
       </p:sp>
       <p:sp>
         <p:nvSpPr>
-          <p:cNvPr id="58" name="Google Shape;58;g2b18df1fb44_0_1:notes"/>
+          <p:cNvPr id="60" name="Google Shape;60;g2b18df1fb44_0_1:notes"/>
           <p:cNvSpPr txBox="1"/>
           <p:nvPr>
             <p:ph idx="1" type="body"/>
@@ -901,7 +913,7 @@
   <p:cSld>
     <p:spTree>
       <p:nvGrpSpPr>
-        <p:cNvPr id="63" name="Shape 63"/>
+        <p:cNvPr id="65" name="Shape 65"/>
         <p:cNvGrpSpPr/>
         <p:nvPr/>
       </p:nvGrpSpPr>
@@ -915,7 +927,7 @@
       </p:grpSpPr>
       <p:sp>
         <p:nvSpPr>
-          <p:cNvPr id="64" name="Google Shape;64;g2b18df1fb44_0_6:notes"/>
+          <p:cNvPr id="66" name="Google Shape;66;g2b18df1fb44_0_6:notes"/>
           <p:cNvSpPr/>
           <p:nvPr>
             <p:ph idx="2" type="sldImg"/>
@@ -950,7 +962,7 @@
       </p:sp>
       <p:sp>
         <p:nvSpPr>
-          <p:cNvPr id="65" name="Google Shape;65;g2b18df1fb44_0_6:notes"/>
+          <p:cNvPr id="67" name="Google Shape;67;g2b18df1fb44_0_6:notes"/>
           <p:cNvSpPr txBox="1"/>
           <p:nvPr>
             <p:ph idx="1" type="body"/>
@@ -1000,7 +1012,7 @@
   <p:cSld>
     <p:spTree>
       <p:nvGrpSpPr>
-        <p:cNvPr id="70" name="Shape 70"/>
+        <p:cNvPr id="72" name="Shape 72"/>
         <p:cNvGrpSpPr/>
         <p:nvPr/>
       </p:nvGrpSpPr>
@@ -1014,7 +1026,7 @@
       </p:grpSpPr>
       <p:sp>
         <p:nvSpPr>
-          <p:cNvPr id="71" name="Google Shape;71;g2b18df1fb44_0_11:notes"/>
+          <p:cNvPr id="73" name="Google Shape;73;g2b18df1fb44_0_11:notes"/>
           <p:cNvSpPr/>
           <p:nvPr>
             <p:ph idx="2" type="sldImg"/>
@@ -1049,7 +1061,7 @@
       </p:sp>
       <p:sp>
         <p:nvSpPr>
-          <p:cNvPr id="72" name="Google Shape;72;g2b18df1fb44_0_11:notes"/>
+          <p:cNvPr id="74" name="Google Shape;74;g2b18df1fb44_0_11:notes"/>
           <p:cNvSpPr txBox="1"/>
           <p:nvPr>
             <p:ph idx="1" type="body"/>
@@ -1097,6 +1109,13 @@
 <file path=ppt/slideLayouts/slideLayout1.xml><?xml version="1.0" encoding="utf-8"?>
 <p:sldLayout xmlns:a="http://schemas.openxmlformats.org/drawingml/2006/main" xmlns:r="http://schemas.openxmlformats.org/officeDocument/2006/relationships" xmlns:mc="http://schemas.openxmlformats.org/markup-compatibility/2006" xmlns:mv="urn:schemas-microsoft-com:mac:vml" xmlns:p="http://schemas.openxmlformats.org/presentationml/2006/main" xmlns:c="http://schemas.openxmlformats.org/drawingml/2006/chart" xmlns:dgm="http://schemas.openxmlformats.org/drawingml/2006/diagram" xmlns:o="urn:schemas-microsoft-com:office:office" xmlns:v="urn:schemas-microsoft-com:vml" xmlns:pvml="urn:schemas-microsoft-com:office:powerpoint" xmlns:com="http://schemas.openxmlformats.org/drawingml/2006/compatibility" xmlns:p14="http://schemas.microsoft.com/office/powerpoint/2010/main" xmlns:p15="http://schemas.microsoft.com/office/powerpoint/2012/main" xmlns:ahyp="http://schemas.microsoft.com/office/drawing/2018/hyperlinkcolor" matchingName="Title slide" type="title">
   <p:cSld name="TITLE">
+    <p:bg>
+      <p:bgPr>
+        <a:solidFill>
+          <a:schemeClr val="dk1"/>
+        </a:solidFill>
+      </p:bgPr>
+    </p:bg>
     <p:spTree>
       <p:nvGrpSpPr>
         <p:cNvPr id="9" name="Shape 9"/>
@@ -1114,6 +1133,49 @@
       <p:sp>
         <p:nvSpPr>
           <p:cNvPr id="10" name="Google Shape;10;p2"/>
+          <p:cNvSpPr/>
+          <p:nvPr/>
+        </p:nvSpPr>
+        <p:spPr>
+          <a:xfrm>
+            <a:off x="0" y="0"/>
+            <a:ext cx="9144000" cy="3429000"/>
+          </a:xfrm>
+          <a:prstGeom prst="rect">
+            <a:avLst/>
+          </a:prstGeom>
+          <a:solidFill>
+            <a:schemeClr val="lt1"/>
+          </a:solidFill>
+          <a:ln>
+            <a:noFill/>
+          </a:ln>
+        </p:spPr>
+        <p:txBody>
+          <a:bodyPr anchorCtr="0" anchor="ctr" bIns="91425" lIns="91425" spcFirstLastPara="1" rIns="91425" wrap="square" tIns="91425">
+            <a:noAutofit/>
+          </a:bodyPr>
+          <a:lstStyle/>
+          <a:p>
+            <a:pPr indent="0" lvl="0" marL="0" rtl="0" algn="l">
+              <a:spcBef>
+                <a:spcPts val="0"/>
+              </a:spcBef>
+              <a:spcAft>
+                <a:spcPts val="0"/>
+              </a:spcAft>
+              <a:buNone/>
+            </a:pPr>
+            <a:r>
+              <a:t/>
+            </a:r>
+            <a:endParaRPr/>
+          </a:p>
+        </p:txBody>
+      </p:sp>
+      <p:sp>
+        <p:nvSpPr>
+          <p:cNvPr id="11" name="Google Shape;11;p2"/>
           <p:cNvSpPr txBox="1"/>
           <p:nvPr>
             <p:ph type="ctrTitle"/>
@@ -1121,15 +1183,15 @@
         </p:nvSpPr>
         <p:spPr>
           <a:xfrm>
-            <a:off x="311708" y="744575"/>
-            <a:ext cx="8520600" cy="2052600"/>
+            <a:off x="311700" y="392150"/>
+            <a:ext cx="8520600" cy="2690400"/>
           </a:xfrm>
           <a:prstGeom prst="rect">
             <a:avLst/>
           </a:prstGeom>
         </p:spPr>
         <p:txBody>
-          <a:bodyPr anchorCtr="0" anchor="b" bIns="91425" lIns="91425" spcFirstLastPara="1" rIns="91425" wrap="square" tIns="91425">
+          <a:bodyPr anchorCtr="0" anchor="ctr" bIns="91425" lIns="91425" spcFirstLastPara="1" rIns="91425" wrap="square" tIns="91425">
             <a:normAutofit/>
           </a:bodyPr>
           <a:lstStyle>
@@ -1140,9 +1202,9 @@
               <a:spcAft>
                 <a:spcPts val="0"/>
               </a:spcAft>
-              <a:buSzPts val="5200"/>
-              <a:buNone/>
-              <a:defRPr sz="5200"/>
+              <a:buSzPts val="8000"/>
+              <a:buNone/>
+              <a:defRPr sz="8000"/>
             </a:lvl1pPr>
             <a:lvl2pPr lvl="1" algn="ctr">
               <a:spcBef>
@@ -1151,9 +1213,9 @@
               <a:spcAft>
                 <a:spcPts val="0"/>
               </a:spcAft>
-              <a:buSzPts val="5200"/>
-              <a:buNone/>
-              <a:defRPr sz="5200"/>
+              <a:buSzPts val="8000"/>
+              <a:buNone/>
+              <a:defRPr sz="8000"/>
             </a:lvl2pPr>
             <a:lvl3pPr lvl="2" algn="ctr">
               <a:spcBef>
@@ -1162,9 +1224,9 @@
               <a:spcAft>
                 <a:spcPts val="0"/>
               </a:spcAft>
-              <a:buSzPts val="5200"/>
-              <a:buNone/>
-              <a:defRPr sz="5200"/>
+              <a:buSzPts val="8000"/>
+              <a:buNone/>
+              <a:defRPr sz="8000"/>
             </a:lvl3pPr>
             <a:lvl4pPr lvl="3" algn="ctr">
               <a:spcBef>
@@ -1173,9 +1235,9 @@
               <a:spcAft>
                 <a:spcPts val="0"/>
               </a:spcAft>
-              <a:buSzPts val="5200"/>
-              <a:buNone/>
-              <a:defRPr sz="5200"/>
+              <a:buSzPts val="8000"/>
+              <a:buNone/>
+              <a:defRPr sz="8000"/>
             </a:lvl4pPr>
             <a:lvl5pPr lvl="4" algn="ctr">
               <a:spcBef>
@@ -1184,9 +1246,9 @@
               <a:spcAft>
                 <a:spcPts val="0"/>
               </a:spcAft>
-              <a:buSzPts val="5200"/>
-              <a:buNone/>
-              <a:defRPr sz="5200"/>
+              <a:buSzPts val="8000"/>
+              <a:buNone/>
+              <a:defRPr sz="8000"/>
             </a:lvl5pPr>
             <a:lvl6pPr lvl="5" algn="ctr">
               <a:spcBef>
@@ -1195,9 +1257,9 @@
               <a:spcAft>
                 <a:spcPts val="0"/>
               </a:spcAft>
-              <a:buSzPts val="5200"/>
-              <a:buNone/>
-              <a:defRPr sz="5200"/>
+              <a:buSzPts val="8000"/>
+              <a:buNone/>
+              <a:defRPr sz="8000"/>
             </a:lvl6pPr>
             <a:lvl7pPr lvl="6" algn="ctr">
               <a:spcBef>
@@ -1206,9 +1268,9 @@
               <a:spcAft>
                 <a:spcPts val="0"/>
               </a:spcAft>
-              <a:buSzPts val="5200"/>
-              <a:buNone/>
-              <a:defRPr sz="5200"/>
+              <a:buSzPts val="8000"/>
+              <a:buNone/>
+              <a:defRPr sz="8000"/>
             </a:lvl7pPr>
             <a:lvl8pPr lvl="7" algn="ctr">
               <a:spcBef>
@@ -1217,9 +1279,9 @@
               <a:spcAft>
                 <a:spcPts val="0"/>
               </a:spcAft>
-              <a:buSzPts val="5200"/>
-              <a:buNone/>
-              <a:defRPr sz="5200"/>
+              <a:buSzPts val="8000"/>
+              <a:buNone/>
+              <a:defRPr sz="8000"/>
             </a:lvl8pPr>
             <a:lvl9pPr lvl="8" algn="ctr">
               <a:spcBef>
@@ -1228,161 +1290,9 @@
               <a:spcAft>
                 <a:spcPts val="0"/>
               </a:spcAft>
-              <a:buSzPts val="5200"/>
-              <a:buNone/>
-              <a:defRPr sz="5200"/>
-            </a:lvl9pPr>
-          </a:lstStyle>
-          <a:p/>
-        </p:txBody>
-      </p:sp>
-      <p:sp>
-        <p:nvSpPr>
-          <p:cNvPr id="11" name="Google Shape;11;p2"/>
-          <p:cNvSpPr txBox="1"/>
-          <p:nvPr>
-            <p:ph idx="1" type="subTitle"/>
-          </p:nvPr>
-        </p:nvSpPr>
-        <p:spPr>
-          <a:xfrm>
-            <a:off x="311700" y="2834125"/>
-            <a:ext cx="8520600" cy="792600"/>
-          </a:xfrm>
-          <a:prstGeom prst="rect">
-            <a:avLst/>
-          </a:prstGeom>
-        </p:spPr>
-        <p:txBody>
-          <a:bodyPr anchorCtr="0" anchor="t" bIns="91425" lIns="91425" spcFirstLastPara="1" rIns="91425" wrap="square" tIns="91425">
-            <a:normAutofit/>
-          </a:bodyPr>
-          <a:lstStyle>
-            <a:lvl1pPr lvl="0" algn="ctr">
-              <a:lnSpc>
-                <a:spcPct val="100000"/>
-              </a:lnSpc>
-              <a:spcBef>
-                <a:spcPts val="0"/>
-              </a:spcBef>
-              <a:spcAft>
-                <a:spcPts val="0"/>
-              </a:spcAft>
-              <a:buSzPts val="2800"/>
-              <a:buNone/>
-              <a:defRPr sz="2800"/>
-            </a:lvl1pPr>
-            <a:lvl2pPr lvl="1" algn="ctr">
-              <a:lnSpc>
-                <a:spcPct val="100000"/>
-              </a:lnSpc>
-              <a:spcBef>
-                <a:spcPts val="0"/>
-              </a:spcBef>
-              <a:spcAft>
-                <a:spcPts val="0"/>
-              </a:spcAft>
-              <a:buSzPts val="2800"/>
-              <a:buNone/>
-              <a:defRPr sz="2800"/>
-            </a:lvl2pPr>
-            <a:lvl3pPr lvl="2" algn="ctr">
-              <a:lnSpc>
-                <a:spcPct val="100000"/>
-              </a:lnSpc>
-              <a:spcBef>
-                <a:spcPts val="0"/>
-              </a:spcBef>
-              <a:spcAft>
-                <a:spcPts val="0"/>
-              </a:spcAft>
-              <a:buSzPts val="2800"/>
-              <a:buNone/>
-              <a:defRPr sz="2800"/>
-            </a:lvl3pPr>
-            <a:lvl4pPr lvl="3" algn="ctr">
-              <a:lnSpc>
-                <a:spcPct val="100000"/>
-              </a:lnSpc>
-              <a:spcBef>
-                <a:spcPts val="0"/>
-              </a:spcBef>
-              <a:spcAft>
-                <a:spcPts val="0"/>
-              </a:spcAft>
-              <a:buSzPts val="2800"/>
-              <a:buNone/>
-              <a:defRPr sz="2800"/>
-            </a:lvl4pPr>
-            <a:lvl5pPr lvl="4" algn="ctr">
-              <a:lnSpc>
-                <a:spcPct val="100000"/>
-              </a:lnSpc>
-              <a:spcBef>
-                <a:spcPts val="0"/>
-              </a:spcBef>
-              <a:spcAft>
-                <a:spcPts val="0"/>
-              </a:spcAft>
-              <a:buSzPts val="2800"/>
-              <a:buNone/>
-              <a:defRPr sz="2800"/>
-            </a:lvl5pPr>
-            <a:lvl6pPr lvl="5" algn="ctr">
-              <a:lnSpc>
-                <a:spcPct val="100000"/>
-              </a:lnSpc>
-              <a:spcBef>
-                <a:spcPts val="0"/>
-              </a:spcBef>
-              <a:spcAft>
-                <a:spcPts val="0"/>
-              </a:spcAft>
-              <a:buSzPts val="2800"/>
-              <a:buNone/>
-              <a:defRPr sz="2800"/>
-            </a:lvl6pPr>
-            <a:lvl7pPr lvl="6" algn="ctr">
-              <a:lnSpc>
-                <a:spcPct val="100000"/>
-              </a:lnSpc>
-              <a:spcBef>
-                <a:spcPts val="0"/>
-              </a:spcBef>
-              <a:spcAft>
-                <a:spcPts val="0"/>
-              </a:spcAft>
-              <a:buSzPts val="2800"/>
-              <a:buNone/>
-              <a:defRPr sz="2800"/>
-            </a:lvl7pPr>
-            <a:lvl8pPr lvl="7" algn="ctr">
-              <a:lnSpc>
-                <a:spcPct val="100000"/>
-              </a:lnSpc>
-              <a:spcBef>
-                <a:spcPts val="0"/>
-              </a:spcBef>
-              <a:spcAft>
-                <a:spcPts val="0"/>
-              </a:spcAft>
-              <a:buSzPts val="2800"/>
-              <a:buNone/>
-              <a:defRPr sz="2800"/>
-            </a:lvl8pPr>
-            <a:lvl9pPr lvl="8" algn="ctr">
-              <a:lnSpc>
-                <a:spcPct val="100000"/>
-              </a:lnSpc>
-              <a:spcBef>
-                <a:spcPts val="0"/>
-              </a:spcBef>
-              <a:spcAft>
-                <a:spcPts val="0"/>
-              </a:spcAft>
-              <a:buSzPts val="2800"/>
-              <a:buNone/>
-              <a:defRPr sz="2800"/>
+              <a:buSzPts val="8000"/>
+              <a:buNone/>
+              <a:defRPr sz="8000"/>
             </a:lvl9pPr>
           </a:lstStyle>
           <a:p/>
@@ -1391,6 +1301,221 @@
       <p:sp>
         <p:nvSpPr>
           <p:cNvPr id="12" name="Google Shape;12;p2"/>
+          <p:cNvSpPr txBox="1"/>
+          <p:nvPr>
+            <p:ph idx="1" type="subTitle"/>
+          </p:nvPr>
+        </p:nvSpPr>
+        <p:spPr>
+          <a:xfrm>
+            <a:off x="311700" y="3890400"/>
+            <a:ext cx="8520600" cy="706200"/>
+          </a:xfrm>
+          <a:prstGeom prst="rect">
+            <a:avLst/>
+          </a:prstGeom>
+        </p:spPr>
+        <p:txBody>
+          <a:bodyPr anchorCtr="0" anchor="ctr" bIns="91425" lIns="91425" spcFirstLastPara="1" rIns="91425" wrap="square" tIns="91425">
+            <a:normAutofit/>
+          </a:bodyPr>
+          <a:lstStyle>
+            <a:lvl1pPr lvl="0" algn="ctr">
+              <a:lnSpc>
+                <a:spcPct val="100000"/>
+              </a:lnSpc>
+              <a:spcBef>
+                <a:spcPts val="0"/>
+              </a:spcBef>
+              <a:spcAft>
+                <a:spcPts val="0"/>
+              </a:spcAft>
+              <a:buClr>
+                <a:schemeClr val="accent1"/>
+              </a:buClr>
+              <a:buSzPts val="2100"/>
+              <a:buNone/>
+              <a:defRPr b="1" sz="2100">
+                <a:solidFill>
+                  <a:schemeClr val="accent1"/>
+                </a:solidFill>
+              </a:defRPr>
+            </a:lvl1pPr>
+            <a:lvl2pPr lvl="1" algn="ctr">
+              <a:lnSpc>
+                <a:spcPct val="100000"/>
+              </a:lnSpc>
+              <a:spcBef>
+                <a:spcPts val="0"/>
+              </a:spcBef>
+              <a:spcAft>
+                <a:spcPts val="0"/>
+              </a:spcAft>
+              <a:buClr>
+                <a:schemeClr val="accent1"/>
+              </a:buClr>
+              <a:buSzPts val="2100"/>
+              <a:buNone/>
+              <a:defRPr b="1" sz="2100">
+                <a:solidFill>
+                  <a:schemeClr val="accent1"/>
+                </a:solidFill>
+              </a:defRPr>
+            </a:lvl2pPr>
+            <a:lvl3pPr lvl="2" algn="ctr">
+              <a:lnSpc>
+                <a:spcPct val="100000"/>
+              </a:lnSpc>
+              <a:spcBef>
+                <a:spcPts val="0"/>
+              </a:spcBef>
+              <a:spcAft>
+                <a:spcPts val="0"/>
+              </a:spcAft>
+              <a:buClr>
+                <a:schemeClr val="accent1"/>
+              </a:buClr>
+              <a:buSzPts val="2100"/>
+              <a:buNone/>
+              <a:defRPr b="1" sz="2100">
+                <a:solidFill>
+                  <a:schemeClr val="accent1"/>
+                </a:solidFill>
+              </a:defRPr>
+            </a:lvl3pPr>
+            <a:lvl4pPr lvl="3" algn="ctr">
+              <a:lnSpc>
+                <a:spcPct val="100000"/>
+              </a:lnSpc>
+              <a:spcBef>
+                <a:spcPts val="0"/>
+              </a:spcBef>
+              <a:spcAft>
+                <a:spcPts val="0"/>
+              </a:spcAft>
+              <a:buClr>
+                <a:schemeClr val="accent1"/>
+              </a:buClr>
+              <a:buSzPts val="2100"/>
+              <a:buNone/>
+              <a:defRPr b="1" sz="2100">
+                <a:solidFill>
+                  <a:schemeClr val="accent1"/>
+                </a:solidFill>
+              </a:defRPr>
+            </a:lvl4pPr>
+            <a:lvl5pPr lvl="4" algn="ctr">
+              <a:lnSpc>
+                <a:spcPct val="100000"/>
+              </a:lnSpc>
+              <a:spcBef>
+                <a:spcPts val="0"/>
+              </a:spcBef>
+              <a:spcAft>
+                <a:spcPts val="0"/>
+              </a:spcAft>
+              <a:buClr>
+                <a:schemeClr val="accent1"/>
+              </a:buClr>
+              <a:buSzPts val="2100"/>
+              <a:buNone/>
+              <a:defRPr b="1" sz="2100">
+                <a:solidFill>
+                  <a:schemeClr val="accent1"/>
+                </a:solidFill>
+              </a:defRPr>
+            </a:lvl5pPr>
+            <a:lvl6pPr lvl="5" algn="ctr">
+              <a:lnSpc>
+                <a:spcPct val="100000"/>
+              </a:lnSpc>
+              <a:spcBef>
+                <a:spcPts val="0"/>
+              </a:spcBef>
+              <a:spcAft>
+                <a:spcPts val="0"/>
+              </a:spcAft>
+              <a:buClr>
+                <a:schemeClr val="accent1"/>
+              </a:buClr>
+              <a:buSzPts val="2100"/>
+              <a:buNone/>
+              <a:defRPr b="1" sz="2100">
+                <a:solidFill>
+                  <a:schemeClr val="accent1"/>
+                </a:solidFill>
+              </a:defRPr>
+            </a:lvl6pPr>
+            <a:lvl7pPr lvl="6" algn="ctr">
+              <a:lnSpc>
+                <a:spcPct val="100000"/>
+              </a:lnSpc>
+              <a:spcBef>
+                <a:spcPts val="0"/>
+              </a:spcBef>
+              <a:spcAft>
+                <a:spcPts val="0"/>
+              </a:spcAft>
+              <a:buClr>
+                <a:schemeClr val="accent1"/>
+              </a:buClr>
+              <a:buSzPts val="2100"/>
+              <a:buNone/>
+              <a:defRPr b="1" sz="2100">
+                <a:solidFill>
+                  <a:schemeClr val="accent1"/>
+                </a:solidFill>
+              </a:defRPr>
+            </a:lvl7pPr>
+            <a:lvl8pPr lvl="7" algn="ctr">
+              <a:lnSpc>
+                <a:spcPct val="100000"/>
+              </a:lnSpc>
+              <a:spcBef>
+                <a:spcPts val="0"/>
+              </a:spcBef>
+              <a:spcAft>
+                <a:spcPts val="0"/>
+              </a:spcAft>
+              <a:buClr>
+                <a:schemeClr val="accent1"/>
+              </a:buClr>
+              <a:buSzPts val="2100"/>
+              <a:buNone/>
+              <a:defRPr b="1" sz="2100">
+                <a:solidFill>
+                  <a:schemeClr val="accent1"/>
+                </a:solidFill>
+              </a:defRPr>
+            </a:lvl8pPr>
+            <a:lvl9pPr lvl="8" algn="ctr">
+              <a:lnSpc>
+                <a:spcPct val="100000"/>
+              </a:lnSpc>
+              <a:spcBef>
+                <a:spcPts val="0"/>
+              </a:spcBef>
+              <a:spcAft>
+                <a:spcPts val="0"/>
+              </a:spcAft>
+              <a:buClr>
+                <a:schemeClr val="accent1"/>
+              </a:buClr>
+              <a:buSzPts val="2100"/>
+              <a:buNone/>
+              <a:defRPr b="1" sz="2100">
+                <a:solidFill>
+                  <a:schemeClr val="accent1"/>
+                </a:solidFill>
+              </a:defRPr>
+            </a:lvl9pPr>
+          </a:lstStyle>
+          <a:p/>
+        </p:txBody>
+      </p:sp>
+      <p:sp>
+        <p:nvSpPr>
+          <p:cNvPr id="13" name="Google Shape;13;p2"/>
           <p:cNvSpPr txBox="1"/>
           <p:nvPr>
             <p:ph idx="12" type="sldNum"/>
@@ -1478,7 +1603,7 @@
   <p:cSld name="BIG_NUMBER">
     <p:spTree>
       <p:nvGrpSpPr>
-        <p:cNvPr id="44" name="Shape 44"/>
+        <p:cNvPr id="46" name="Shape 46"/>
         <p:cNvGrpSpPr/>
         <p:nvPr/>
       </p:nvGrpSpPr>
@@ -1492,7 +1617,7 @@
       </p:grpSpPr>
       <p:sp>
         <p:nvSpPr>
-          <p:cNvPr id="45" name="Google Shape;45;p11"/>
+          <p:cNvPr id="47" name="Google Shape;47;p11"/>
           <p:cNvSpPr txBox="1"/>
           <p:nvPr>
             <p:ph hasCustomPrompt="1" type="title"/>
@@ -1500,8 +1625,8 @@
         </p:nvSpPr>
         <p:spPr>
           <a:xfrm>
-            <a:off x="311700" y="1106125"/>
-            <a:ext cx="8520600" cy="1963500"/>
+            <a:off x="311700" y="1240275"/>
+            <a:ext cx="8520600" cy="1981800"/>
           </a:xfrm>
           <a:prstGeom prst="rect">
             <a:avLst/>
@@ -1519,9 +1644,19 @@
               <a:spcAft>
                 <a:spcPts val="0"/>
               </a:spcAft>
+              <a:buClr>
+                <a:schemeClr val="lt1"/>
+              </a:buClr>
               <a:buSzPts val="12000"/>
               <a:buNone/>
-              <a:defRPr sz="12000"/>
+              <a:defRPr sz="12000">
+                <a:solidFill>
+                  <a:schemeClr val="lt1"/>
+                </a:solidFill>
+                <a:highlight>
+                  <a:schemeClr val="accent1"/>
+                </a:highlight>
+              </a:defRPr>
             </a:lvl1pPr>
             <a:lvl2pPr lvl="1" algn="ctr">
               <a:spcBef>
@@ -1530,9 +1665,19 @@
               <a:spcAft>
                 <a:spcPts val="0"/>
               </a:spcAft>
+              <a:buClr>
+                <a:schemeClr val="lt1"/>
+              </a:buClr>
               <a:buSzPts val="12000"/>
               <a:buNone/>
-              <a:defRPr sz="12000"/>
+              <a:defRPr sz="12000">
+                <a:solidFill>
+                  <a:schemeClr val="lt1"/>
+                </a:solidFill>
+                <a:highlight>
+                  <a:schemeClr val="accent1"/>
+                </a:highlight>
+              </a:defRPr>
             </a:lvl2pPr>
             <a:lvl3pPr lvl="2" algn="ctr">
               <a:spcBef>
@@ -1541,9 +1686,19 @@
               <a:spcAft>
                 <a:spcPts val="0"/>
               </a:spcAft>
+              <a:buClr>
+                <a:schemeClr val="lt1"/>
+              </a:buClr>
               <a:buSzPts val="12000"/>
               <a:buNone/>
-              <a:defRPr sz="12000"/>
+              <a:defRPr sz="12000">
+                <a:solidFill>
+                  <a:schemeClr val="lt1"/>
+                </a:solidFill>
+                <a:highlight>
+                  <a:schemeClr val="accent1"/>
+                </a:highlight>
+              </a:defRPr>
             </a:lvl3pPr>
             <a:lvl4pPr lvl="3" algn="ctr">
               <a:spcBef>
@@ -1552,9 +1707,19 @@
               <a:spcAft>
                 <a:spcPts val="0"/>
               </a:spcAft>
+              <a:buClr>
+                <a:schemeClr val="lt1"/>
+              </a:buClr>
               <a:buSzPts val="12000"/>
               <a:buNone/>
-              <a:defRPr sz="12000"/>
+              <a:defRPr sz="12000">
+                <a:solidFill>
+                  <a:schemeClr val="lt1"/>
+                </a:solidFill>
+                <a:highlight>
+                  <a:schemeClr val="accent1"/>
+                </a:highlight>
+              </a:defRPr>
             </a:lvl4pPr>
             <a:lvl5pPr lvl="4" algn="ctr">
               <a:spcBef>
@@ -1563,9 +1728,19 @@
               <a:spcAft>
                 <a:spcPts val="0"/>
               </a:spcAft>
+              <a:buClr>
+                <a:schemeClr val="lt1"/>
+              </a:buClr>
               <a:buSzPts val="12000"/>
               <a:buNone/>
-              <a:defRPr sz="12000"/>
+              <a:defRPr sz="12000">
+                <a:solidFill>
+                  <a:schemeClr val="lt1"/>
+                </a:solidFill>
+                <a:highlight>
+                  <a:schemeClr val="accent1"/>
+                </a:highlight>
+              </a:defRPr>
             </a:lvl5pPr>
             <a:lvl6pPr lvl="5" algn="ctr">
               <a:spcBef>
@@ -1574,9 +1749,19 @@
               <a:spcAft>
                 <a:spcPts val="0"/>
               </a:spcAft>
+              <a:buClr>
+                <a:schemeClr val="lt1"/>
+              </a:buClr>
               <a:buSzPts val="12000"/>
               <a:buNone/>
-              <a:defRPr sz="12000"/>
+              <a:defRPr sz="12000">
+                <a:solidFill>
+                  <a:schemeClr val="lt1"/>
+                </a:solidFill>
+                <a:highlight>
+                  <a:schemeClr val="accent1"/>
+                </a:highlight>
+              </a:defRPr>
             </a:lvl6pPr>
             <a:lvl7pPr lvl="6" algn="ctr">
               <a:spcBef>
@@ -1585,9 +1770,19 @@
               <a:spcAft>
                 <a:spcPts val="0"/>
               </a:spcAft>
+              <a:buClr>
+                <a:schemeClr val="lt1"/>
+              </a:buClr>
               <a:buSzPts val="12000"/>
               <a:buNone/>
-              <a:defRPr sz="12000"/>
+              <a:defRPr sz="12000">
+                <a:solidFill>
+                  <a:schemeClr val="lt1"/>
+                </a:solidFill>
+                <a:highlight>
+                  <a:schemeClr val="accent1"/>
+                </a:highlight>
+              </a:defRPr>
             </a:lvl7pPr>
             <a:lvl8pPr lvl="7" algn="ctr">
               <a:spcBef>
@@ -1596,9 +1791,19 @@
               <a:spcAft>
                 <a:spcPts val="0"/>
               </a:spcAft>
+              <a:buClr>
+                <a:schemeClr val="lt1"/>
+              </a:buClr>
               <a:buSzPts val="12000"/>
               <a:buNone/>
-              <a:defRPr sz="12000"/>
+              <a:defRPr sz="12000">
+                <a:solidFill>
+                  <a:schemeClr val="lt1"/>
+                </a:solidFill>
+                <a:highlight>
+                  <a:schemeClr val="accent1"/>
+                </a:highlight>
+              </a:defRPr>
             </a:lvl8pPr>
             <a:lvl9pPr lvl="8" algn="ctr">
               <a:spcBef>
@@ -1607,9 +1812,19 @@
               <a:spcAft>
                 <a:spcPts val="0"/>
               </a:spcAft>
+              <a:buClr>
+                <a:schemeClr val="lt1"/>
+              </a:buClr>
               <a:buSzPts val="12000"/>
               <a:buNone/>
-              <a:defRPr sz="12000"/>
+              <a:defRPr sz="12000">
+                <a:solidFill>
+                  <a:schemeClr val="lt1"/>
+                </a:solidFill>
+                <a:highlight>
+                  <a:schemeClr val="accent1"/>
+                </a:highlight>
+              </a:defRPr>
             </a:lvl9pPr>
           </a:lstStyle>
           <a:p>
@@ -1621,7 +1836,7 @@
       </p:sp>
       <p:sp>
         <p:nvSpPr>
-          <p:cNvPr id="46" name="Google Shape;46;p11"/>
+          <p:cNvPr id="48" name="Google Shape;48;p11"/>
           <p:cNvSpPr txBox="1"/>
           <p:nvPr>
             <p:ph idx="1" type="body"/>
@@ -1629,7 +1844,7 @@
         </p:nvSpPr>
         <p:spPr>
           <a:xfrm>
-            <a:off x="311700" y="3152225"/>
+            <a:off x="311700" y="3304625"/>
             <a:ext cx="8520600" cy="1300800"/>
           </a:xfrm>
           <a:prstGeom prst="rect">
@@ -1648,9 +1863,19 @@
               <a:spcAft>
                 <a:spcPts val="0"/>
               </a:spcAft>
+              <a:buClr>
+                <a:schemeClr val="accent1"/>
+              </a:buClr>
               <a:buSzPts val="1800"/>
               <a:buChar char="●"/>
-              <a:defRPr/>
+              <a:defRPr>
+                <a:solidFill>
+                  <a:schemeClr val="accent1"/>
+                </a:solidFill>
+                <a:highlight>
+                  <a:schemeClr val="dk1"/>
+                </a:highlight>
+              </a:defRPr>
             </a:lvl1pPr>
             <a:lvl2pPr indent="-317500" lvl="1" marL="914400" algn="ctr">
               <a:spcBef>
@@ -1659,9 +1884,19 @@
               <a:spcAft>
                 <a:spcPts val="0"/>
               </a:spcAft>
+              <a:buClr>
+                <a:schemeClr val="accent1"/>
+              </a:buClr>
               <a:buSzPts val="1400"/>
               <a:buChar char="○"/>
-              <a:defRPr/>
+              <a:defRPr>
+                <a:solidFill>
+                  <a:schemeClr val="accent1"/>
+                </a:solidFill>
+                <a:highlight>
+                  <a:schemeClr val="dk1"/>
+                </a:highlight>
+              </a:defRPr>
             </a:lvl2pPr>
             <a:lvl3pPr indent="-317500" lvl="2" marL="1371600" algn="ctr">
               <a:spcBef>
@@ -1670,9 +1905,19 @@
               <a:spcAft>
                 <a:spcPts val="0"/>
               </a:spcAft>
+              <a:buClr>
+                <a:schemeClr val="accent1"/>
+              </a:buClr>
               <a:buSzPts val="1400"/>
               <a:buChar char="■"/>
-              <a:defRPr/>
+              <a:defRPr>
+                <a:solidFill>
+                  <a:schemeClr val="accent1"/>
+                </a:solidFill>
+                <a:highlight>
+                  <a:schemeClr val="dk1"/>
+                </a:highlight>
+              </a:defRPr>
             </a:lvl3pPr>
             <a:lvl4pPr indent="-317500" lvl="3" marL="1828800" algn="ctr">
               <a:spcBef>
@@ -1681,9 +1926,19 @@
               <a:spcAft>
                 <a:spcPts val="0"/>
               </a:spcAft>
+              <a:buClr>
+                <a:schemeClr val="accent1"/>
+              </a:buClr>
               <a:buSzPts val="1400"/>
               <a:buChar char="●"/>
-              <a:defRPr/>
+              <a:defRPr>
+                <a:solidFill>
+                  <a:schemeClr val="accent1"/>
+                </a:solidFill>
+                <a:highlight>
+                  <a:schemeClr val="dk1"/>
+                </a:highlight>
+              </a:defRPr>
             </a:lvl4pPr>
             <a:lvl5pPr indent="-317500" lvl="4" marL="2286000" algn="ctr">
               <a:spcBef>
@@ -1692,9 +1947,19 @@
               <a:spcAft>
                 <a:spcPts val="0"/>
               </a:spcAft>
+              <a:buClr>
+                <a:schemeClr val="accent1"/>
+              </a:buClr>
               <a:buSzPts val="1400"/>
               <a:buChar char="○"/>
-              <a:defRPr/>
+              <a:defRPr>
+                <a:solidFill>
+                  <a:schemeClr val="accent1"/>
+                </a:solidFill>
+                <a:highlight>
+                  <a:schemeClr val="dk1"/>
+                </a:highlight>
+              </a:defRPr>
             </a:lvl5pPr>
             <a:lvl6pPr indent="-317500" lvl="5" marL="2743200" algn="ctr">
               <a:spcBef>
@@ -1703,9 +1968,19 @@
               <a:spcAft>
                 <a:spcPts val="0"/>
               </a:spcAft>
+              <a:buClr>
+                <a:schemeClr val="accent1"/>
+              </a:buClr>
               <a:buSzPts val="1400"/>
               <a:buChar char="■"/>
-              <a:defRPr/>
+              <a:defRPr>
+                <a:solidFill>
+                  <a:schemeClr val="accent1"/>
+                </a:solidFill>
+                <a:highlight>
+                  <a:schemeClr val="dk1"/>
+                </a:highlight>
+              </a:defRPr>
             </a:lvl6pPr>
             <a:lvl7pPr indent="-317500" lvl="6" marL="3200400" algn="ctr">
               <a:spcBef>
@@ -1714,9 +1989,19 @@
               <a:spcAft>
                 <a:spcPts val="0"/>
               </a:spcAft>
+              <a:buClr>
+                <a:schemeClr val="accent1"/>
+              </a:buClr>
               <a:buSzPts val="1400"/>
               <a:buChar char="●"/>
-              <a:defRPr/>
+              <a:defRPr>
+                <a:solidFill>
+                  <a:schemeClr val="accent1"/>
+                </a:solidFill>
+                <a:highlight>
+                  <a:schemeClr val="dk1"/>
+                </a:highlight>
+              </a:defRPr>
             </a:lvl7pPr>
             <a:lvl8pPr indent="-317500" lvl="7" marL="3657600" algn="ctr">
               <a:spcBef>
@@ -1725,9 +2010,19 @@
               <a:spcAft>
                 <a:spcPts val="0"/>
               </a:spcAft>
+              <a:buClr>
+                <a:schemeClr val="accent1"/>
+              </a:buClr>
               <a:buSzPts val="1400"/>
               <a:buChar char="○"/>
-              <a:defRPr/>
+              <a:defRPr>
+                <a:solidFill>
+                  <a:schemeClr val="accent1"/>
+                </a:solidFill>
+                <a:highlight>
+                  <a:schemeClr val="dk1"/>
+                </a:highlight>
+              </a:defRPr>
             </a:lvl8pPr>
             <a:lvl9pPr indent="-317500" lvl="8" marL="4114800" algn="ctr">
               <a:spcBef>
@@ -1736,9 +2031,19 @@
               <a:spcAft>
                 <a:spcPts val="0"/>
               </a:spcAft>
+              <a:buClr>
+                <a:schemeClr val="accent1"/>
+              </a:buClr>
               <a:buSzPts val="1400"/>
               <a:buChar char="■"/>
-              <a:defRPr/>
+              <a:defRPr>
+                <a:solidFill>
+                  <a:schemeClr val="accent1"/>
+                </a:solidFill>
+                <a:highlight>
+                  <a:schemeClr val="dk1"/>
+                </a:highlight>
+              </a:defRPr>
             </a:lvl9pPr>
           </a:lstStyle>
           <a:p/>
@@ -1746,7 +2051,7 @@
       </p:sp>
       <p:sp>
         <p:nvSpPr>
-          <p:cNvPr id="47" name="Google Shape;47;p11"/>
+          <p:cNvPr id="49" name="Google Shape;49;p11"/>
           <p:cNvSpPr txBox="1"/>
           <p:nvPr>
             <p:ph idx="12" type="sldNum"/>
@@ -1834,7 +2139,7 @@
   <p:cSld name="BLANK">
     <p:spTree>
       <p:nvGrpSpPr>
-        <p:cNvPr id="48" name="Shape 48"/>
+        <p:cNvPr id="50" name="Shape 50"/>
         <p:cNvGrpSpPr/>
         <p:nvPr/>
       </p:nvGrpSpPr>
@@ -1848,7 +2153,7 @@
       </p:grpSpPr>
       <p:sp>
         <p:nvSpPr>
-          <p:cNvPr id="49" name="Google Shape;49;p12"/>
+          <p:cNvPr id="51" name="Google Shape;51;p12"/>
           <p:cNvSpPr txBox="1"/>
           <p:nvPr>
             <p:ph idx="12" type="sldNum"/>
@@ -1934,9 +2239,16 @@
 <file path=ppt/slideLayouts/slideLayout2.xml><?xml version="1.0" encoding="utf-8"?>
 <p:sldLayout xmlns:a="http://schemas.openxmlformats.org/drawingml/2006/main" xmlns:r="http://schemas.openxmlformats.org/officeDocument/2006/relationships" xmlns:mc="http://schemas.openxmlformats.org/markup-compatibility/2006" xmlns:mv="urn:schemas-microsoft-com:mac:vml" xmlns:p="http://schemas.openxmlformats.org/presentationml/2006/main" xmlns:c="http://schemas.openxmlformats.org/drawingml/2006/chart" xmlns:dgm="http://schemas.openxmlformats.org/drawingml/2006/diagram" xmlns:o="urn:schemas-microsoft-com:office:office" xmlns:v="urn:schemas-microsoft-com:vml" xmlns:pvml="urn:schemas-microsoft-com:office:powerpoint" xmlns:com="http://schemas.openxmlformats.org/drawingml/2006/compatibility" xmlns:p14="http://schemas.microsoft.com/office/powerpoint/2010/main" xmlns:p15="http://schemas.microsoft.com/office/powerpoint/2012/main" xmlns:ahyp="http://schemas.microsoft.com/office/drawing/2018/hyperlinkcolor" matchingName="Section header" type="secHead">
   <p:cSld name="SECTION_HEADER">
+    <p:bg>
+      <p:bgPr>
+        <a:solidFill>
+          <a:schemeClr val="dk1"/>
+        </a:solidFill>
+      </p:bgPr>
+    </p:bg>
     <p:spTree>
       <p:nvGrpSpPr>
-        <p:cNvPr id="13" name="Shape 13"/>
+        <p:cNvPr id="14" name="Shape 14"/>
         <p:cNvGrpSpPr/>
         <p:nvPr/>
       </p:nvGrpSpPr>
@@ -1950,7 +2262,7 @@
       </p:grpSpPr>
       <p:sp>
         <p:nvSpPr>
-          <p:cNvPr id="14" name="Google Shape;14;p3"/>
+          <p:cNvPr id="15" name="Google Shape;15;p3"/>
           <p:cNvSpPr txBox="1"/>
           <p:nvPr>
             <p:ph type="title"/>
@@ -1958,12 +2270,15 @@
         </p:nvSpPr>
         <p:spPr>
           <a:xfrm>
-            <a:off x="311700" y="2150850"/>
-            <a:ext cx="8520600" cy="841800"/>
+            <a:off x="2802750" y="802500"/>
+            <a:ext cx="3538500" cy="3538500"/>
           </a:xfrm>
           <a:prstGeom prst="rect">
             <a:avLst/>
           </a:prstGeom>
+          <a:solidFill>
+            <a:srgbClr val="FFFFFF"/>
+          </a:solidFill>
         </p:spPr>
         <p:txBody>
           <a:bodyPr anchorCtr="0" anchor="ctr" bIns="91425" lIns="91425" spcFirstLastPara="1" rIns="91425" wrap="square" tIns="91425">
@@ -1977,9 +2292,9 @@
               <a:spcAft>
                 <a:spcPts val="0"/>
               </a:spcAft>
-              <a:buSzPts val="3600"/>
-              <a:buNone/>
-              <a:defRPr sz="3600"/>
+              <a:buSzPts val="4800"/>
+              <a:buNone/>
+              <a:defRPr sz="4800"/>
             </a:lvl1pPr>
             <a:lvl2pPr lvl="1" algn="ctr">
               <a:spcBef>
@@ -1988,9 +2303,9 @@
               <a:spcAft>
                 <a:spcPts val="0"/>
               </a:spcAft>
-              <a:buSzPts val="3600"/>
-              <a:buNone/>
-              <a:defRPr sz="3600"/>
+              <a:buSzPts val="4800"/>
+              <a:buNone/>
+              <a:defRPr sz="4800"/>
             </a:lvl2pPr>
             <a:lvl3pPr lvl="2" algn="ctr">
               <a:spcBef>
@@ -1999,9 +2314,9 @@
               <a:spcAft>
                 <a:spcPts val="0"/>
               </a:spcAft>
-              <a:buSzPts val="3600"/>
-              <a:buNone/>
-              <a:defRPr sz="3600"/>
+              <a:buSzPts val="4800"/>
+              <a:buNone/>
+              <a:defRPr sz="4800"/>
             </a:lvl3pPr>
             <a:lvl4pPr lvl="3" algn="ctr">
               <a:spcBef>
@@ -2010,9 +2325,9 @@
               <a:spcAft>
                 <a:spcPts val="0"/>
               </a:spcAft>
-              <a:buSzPts val="3600"/>
-              <a:buNone/>
-              <a:defRPr sz="3600"/>
+              <a:buSzPts val="4800"/>
+              <a:buNone/>
+              <a:defRPr sz="4800"/>
             </a:lvl4pPr>
             <a:lvl5pPr lvl="4" algn="ctr">
               <a:spcBef>
@@ -2021,9 +2336,9 @@
               <a:spcAft>
                 <a:spcPts val="0"/>
               </a:spcAft>
-              <a:buSzPts val="3600"/>
-              <a:buNone/>
-              <a:defRPr sz="3600"/>
+              <a:buSzPts val="4800"/>
+              <a:buNone/>
+              <a:defRPr sz="4800"/>
             </a:lvl5pPr>
             <a:lvl6pPr lvl="5" algn="ctr">
               <a:spcBef>
@@ -2032,9 +2347,9 @@
               <a:spcAft>
                 <a:spcPts val="0"/>
               </a:spcAft>
-              <a:buSzPts val="3600"/>
-              <a:buNone/>
-              <a:defRPr sz="3600"/>
+              <a:buSzPts val="4800"/>
+              <a:buNone/>
+              <a:defRPr sz="4800"/>
             </a:lvl6pPr>
             <a:lvl7pPr lvl="6" algn="ctr">
               <a:spcBef>
@@ -2043,9 +2358,9 @@
               <a:spcAft>
                 <a:spcPts val="0"/>
               </a:spcAft>
-              <a:buSzPts val="3600"/>
-              <a:buNone/>
-              <a:defRPr sz="3600"/>
+              <a:buSzPts val="4800"/>
+              <a:buNone/>
+              <a:defRPr sz="4800"/>
             </a:lvl7pPr>
             <a:lvl8pPr lvl="7" algn="ctr">
               <a:spcBef>
@@ -2054,9 +2369,9 @@
               <a:spcAft>
                 <a:spcPts val="0"/>
               </a:spcAft>
-              <a:buSzPts val="3600"/>
-              <a:buNone/>
-              <a:defRPr sz="3600"/>
+              <a:buSzPts val="4800"/>
+              <a:buNone/>
+              <a:defRPr sz="4800"/>
             </a:lvl8pPr>
             <a:lvl9pPr lvl="8" algn="ctr">
               <a:spcBef>
@@ -2065,9 +2380,9 @@
               <a:spcAft>
                 <a:spcPts val="0"/>
               </a:spcAft>
-              <a:buSzPts val="3600"/>
-              <a:buNone/>
-              <a:defRPr sz="3600"/>
+              <a:buSzPts val="4800"/>
+              <a:buNone/>
+              <a:defRPr sz="4800"/>
             </a:lvl9pPr>
           </a:lstStyle>
           <a:p/>
@@ -2075,7 +2390,7 @@
       </p:sp>
       <p:sp>
         <p:nvSpPr>
-          <p:cNvPr id="15" name="Google Shape;15;p3"/>
+          <p:cNvPr id="16" name="Google Shape;16;p3"/>
           <p:cNvSpPr txBox="1"/>
           <p:nvPr>
             <p:ph idx="12" type="sldNum"/>
@@ -2163,7 +2478,7 @@
   <p:cSld name="TITLE_AND_BODY">
     <p:spTree>
       <p:nvGrpSpPr>
-        <p:cNvPr id="16" name="Shape 16"/>
+        <p:cNvPr id="17" name="Shape 17"/>
         <p:cNvGrpSpPr/>
         <p:nvPr/>
       </p:nvGrpSpPr>
@@ -2177,7 +2492,7 @@
       </p:grpSpPr>
       <p:sp>
         <p:nvSpPr>
-          <p:cNvPr id="17" name="Google Shape;17;p4"/>
+          <p:cNvPr id="18" name="Google Shape;18;p4"/>
           <p:cNvSpPr txBox="1"/>
           <p:nvPr>
             <p:ph type="title"/>
@@ -2185,8 +2500,8 @@
         </p:nvSpPr>
         <p:spPr>
           <a:xfrm>
-            <a:off x="311700" y="445025"/>
-            <a:ext cx="8520600" cy="572700"/>
+            <a:off x="311700" y="292850"/>
+            <a:ext cx="8520600" cy="801000"/>
           </a:xfrm>
           <a:prstGeom prst="rect">
             <a:avLst/>
@@ -2204,7 +2519,7 @@
               <a:spcAft>
                 <a:spcPts val="0"/>
               </a:spcAft>
-              <a:buSzPts val="2800"/>
+              <a:buSzPts val="4200"/>
               <a:buNone/>
               <a:defRPr/>
             </a:lvl1pPr>
@@ -2215,7 +2530,7 @@
               <a:spcAft>
                 <a:spcPts val="0"/>
               </a:spcAft>
-              <a:buSzPts val="2800"/>
+              <a:buSzPts val="4200"/>
               <a:buNone/>
               <a:defRPr/>
             </a:lvl2pPr>
@@ -2226,7 +2541,7 @@
               <a:spcAft>
                 <a:spcPts val="0"/>
               </a:spcAft>
-              <a:buSzPts val="2800"/>
+              <a:buSzPts val="4200"/>
               <a:buNone/>
               <a:defRPr/>
             </a:lvl3pPr>
@@ -2237,7 +2552,7 @@
               <a:spcAft>
                 <a:spcPts val="0"/>
               </a:spcAft>
-              <a:buSzPts val="2800"/>
+              <a:buSzPts val="4200"/>
               <a:buNone/>
               <a:defRPr/>
             </a:lvl4pPr>
@@ -2248,7 +2563,7 @@
               <a:spcAft>
                 <a:spcPts val="0"/>
               </a:spcAft>
-              <a:buSzPts val="2800"/>
+              <a:buSzPts val="4200"/>
               <a:buNone/>
               <a:defRPr/>
             </a:lvl5pPr>
@@ -2259,7 +2574,7 @@
               <a:spcAft>
                 <a:spcPts val="0"/>
               </a:spcAft>
-              <a:buSzPts val="2800"/>
+              <a:buSzPts val="4200"/>
               <a:buNone/>
               <a:defRPr/>
             </a:lvl6pPr>
@@ -2270,7 +2585,7 @@
               <a:spcAft>
                 <a:spcPts val="0"/>
               </a:spcAft>
-              <a:buSzPts val="2800"/>
+              <a:buSzPts val="4200"/>
               <a:buNone/>
               <a:defRPr/>
             </a:lvl7pPr>
@@ -2281,7 +2596,7 @@
               <a:spcAft>
                 <a:spcPts val="0"/>
               </a:spcAft>
-              <a:buSzPts val="2800"/>
+              <a:buSzPts val="4200"/>
               <a:buNone/>
               <a:defRPr/>
             </a:lvl8pPr>
@@ -2292,7 +2607,7 @@
               <a:spcAft>
                 <a:spcPts val="0"/>
               </a:spcAft>
-              <a:buSzPts val="2800"/>
+              <a:buSzPts val="4200"/>
               <a:buNone/>
               <a:defRPr/>
             </a:lvl9pPr>
@@ -2302,7 +2617,7 @@
       </p:sp>
       <p:sp>
         <p:nvSpPr>
-          <p:cNvPr id="18" name="Google Shape;18;p4"/>
+          <p:cNvPr id="19" name="Google Shape;19;p4"/>
           <p:cNvSpPr txBox="1"/>
           <p:nvPr>
             <p:ph idx="1" type="body"/>
@@ -2310,8 +2625,8 @@
         </p:nvSpPr>
         <p:spPr>
           <a:xfrm>
-            <a:off x="311700" y="1152475"/>
-            <a:ext cx="8520600" cy="3416400"/>
+            <a:off x="311700" y="1228675"/>
+            <a:ext cx="8520600" cy="3340200"/>
           </a:xfrm>
           <a:prstGeom prst="rect">
             <a:avLst/>
@@ -2427,7 +2742,7 @@
       </p:sp>
       <p:sp>
         <p:nvSpPr>
-          <p:cNvPr id="19" name="Google Shape;19;p4"/>
+          <p:cNvPr id="20" name="Google Shape;20;p4"/>
           <p:cNvSpPr txBox="1"/>
           <p:nvPr>
             <p:ph idx="12" type="sldNum"/>
@@ -2515,7 +2830,7 @@
   <p:cSld name="TITLE_AND_TWO_COLUMNS">
     <p:spTree>
       <p:nvGrpSpPr>
-        <p:cNvPr id="20" name="Shape 20"/>
+        <p:cNvPr id="21" name="Shape 21"/>
         <p:cNvGrpSpPr/>
         <p:nvPr/>
       </p:nvGrpSpPr>
@@ -2529,7 +2844,7 @@
       </p:grpSpPr>
       <p:sp>
         <p:nvSpPr>
-          <p:cNvPr id="21" name="Google Shape;21;p5"/>
+          <p:cNvPr id="22" name="Google Shape;22;p5"/>
           <p:cNvSpPr txBox="1"/>
           <p:nvPr>
             <p:ph type="title"/>
@@ -2537,8 +2852,8 @@
         </p:nvSpPr>
         <p:spPr>
           <a:xfrm>
-            <a:off x="311700" y="445025"/>
-            <a:ext cx="8520600" cy="572700"/>
+            <a:off x="311700" y="292850"/>
+            <a:ext cx="8520600" cy="801000"/>
           </a:xfrm>
           <a:prstGeom prst="rect">
             <a:avLst/>
@@ -2556,7 +2871,7 @@
               <a:spcAft>
                 <a:spcPts val="0"/>
               </a:spcAft>
-              <a:buSzPts val="2800"/>
+              <a:buSzPts val="4200"/>
               <a:buNone/>
               <a:defRPr/>
             </a:lvl1pPr>
@@ -2567,7 +2882,7 @@
               <a:spcAft>
                 <a:spcPts val="0"/>
               </a:spcAft>
-              <a:buSzPts val="2800"/>
+              <a:buSzPts val="4200"/>
               <a:buNone/>
               <a:defRPr/>
             </a:lvl2pPr>
@@ -2578,7 +2893,7 @@
               <a:spcAft>
                 <a:spcPts val="0"/>
               </a:spcAft>
-              <a:buSzPts val="2800"/>
+              <a:buSzPts val="4200"/>
               <a:buNone/>
               <a:defRPr/>
             </a:lvl3pPr>
@@ -2589,7 +2904,7 @@
               <a:spcAft>
                 <a:spcPts val="0"/>
               </a:spcAft>
-              <a:buSzPts val="2800"/>
+              <a:buSzPts val="4200"/>
               <a:buNone/>
               <a:defRPr/>
             </a:lvl4pPr>
@@ -2600,7 +2915,7 @@
               <a:spcAft>
                 <a:spcPts val="0"/>
               </a:spcAft>
-              <a:buSzPts val="2800"/>
+              <a:buSzPts val="4200"/>
               <a:buNone/>
               <a:defRPr/>
             </a:lvl5pPr>
@@ -2611,7 +2926,7 @@
               <a:spcAft>
                 <a:spcPts val="0"/>
               </a:spcAft>
-              <a:buSzPts val="2800"/>
+              <a:buSzPts val="4200"/>
               <a:buNone/>
               <a:defRPr/>
             </a:lvl6pPr>
@@ -2622,7 +2937,7 @@
               <a:spcAft>
                 <a:spcPts val="0"/>
               </a:spcAft>
-              <a:buSzPts val="2800"/>
+              <a:buSzPts val="4200"/>
               <a:buNone/>
               <a:defRPr/>
             </a:lvl7pPr>
@@ -2633,7 +2948,7 @@
               <a:spcAft>
                 <a:spcPts val="0"/>
               </a:spcAft>
-              <a:buSzPts val="2800"/>
+              <a:buSzPts val="4200"/>
               <a:buNone/>
               <a:defRPr/>
             </a:lvl8pPr>
@@ -2644,7 +2959,7 @@
               <a:spcAft>
                 <a:spcPts val="0"/>
               </a:spcAft>
-              <a:buSzPts val="2800"/>
+              <a:buSzPts val="4200"/>
               <a:buNone/>
               <a:defRPr/>
             </a:lvl9pPr>
@@ -2654,7 +2969,7 @@
       </p:sp>
       <p:sp>
         <p:nvSpPr>
-          <p:cNvPr id="22" name="Google Shape;22;p5"/>
+          <p:cNvPr id="23" name="Google Shape;23;p5"/>
           <p:cNvSpPr txBox="1"/>
           <p:nvPr>
             <p:ph idx="1" type="body"/>
@@ -2662,8 +2977,8 @@
         </p:nvSpPr>
         <p:spPr>
           <a:xfrm>
-            <a:off x="311700" y="1152475"/>
-            <a:ext cx="3999900" cy="3416400"/>
+            <a:off x="311700" y="1228675"/>
+            <a:ext cx="3999900" cy="3340200"/>
           </a:xfrm>
           <a:prstGeom prst="rect">
             <a:avLst/>
@@ -2779,7 +3094,7 @@
       </p:sp>
       <p:sp>
         <p:nvSpPr>
-          <p:cNvPr id="23" name="Google Shape;23;p5"/>
+          <p:cNvPr id="24" name="Google Shape;24;p5"/>
           <p:cNvSpPr txBox="1"/>
           <p:nvPr>
             <p:ph idx="2" type="body"/>
@@ -2787,8 +3102,8 @@
         </p:nvSpPr>
         <p:spPr>
           <a:xfrm>
-            <a:off x="4832400" y="1152475"/>
-            <a:ext cx="3999900" cy="3416400"/>
+            <a:off x="4832400" y="1228675"/>
+            <a:ext cx="3999900" cy="3340200"/>
           </a:xfrm>
           <a:prstGeom prst="rect">
             <a:avLst/>
@@ -2904,7 +3219,7 @@
       </p:sp>
       <p:sp>
         <p:nvSpPr>
-          <p:cNvPr id="24" name="Google Shape;24;p5"/>
+          <p:cNvPr id="25" name="Google Shape;25;p5"/>
           <p:cNvSpPr txBox="1"/>
           <p:nvPr>
             <p:ph idx="12" type="sldNum"/>
@@ -2992,7 +3307,7 @@
   <p:cSld name="TITLE_ONLY">
     <p:spTree>
       <p:nvGrpSpPr>
-        <p:cNvPr id="25" name="Shape 25"/>
+        <p:cNvPr id="26" name="Shape 26"/>
         <p:cNvGrpSpPr/>
         <p:nvPr/>
       </p:nvGrpSpPr>
@@ -3006,7 +3321,7 @@
       </p:grpSpPr>
       <p:sp>
         <p:nvSpPr>
-          <p:cNvPr id="26" name="Google Shape;26;p6"/>
+          <p:cNvPr id="27" name="Google Shape;27;p6"/>
           <p:cNvSpPr txBox="1"/>
           <p:nvPr>
             <p:ph type="title"/>
@@ -3014,8 +3329,8 @@
         </p:nvSpPr>
         <p:spPr>
           <a:xfrm>
-            <a:off x="311700" y="445025"/>
-            <a:ext cx="8520600" cy="572700"/>
+            <a:off x="304800" y="309350"/>
+            <a:ext cx="8537700" cy="748200"/>
           </a:xfrm>
           <a:prstGeom prst="rect">
             <a:avLst/>
@@ -3033,9 +3348,9 @@
               <a:spcAft>
                 <a:spcPts val="0"/>
               </a:spcAft>
-              <a:buSzPts val="2800"/>
-              <a:buNone/>
-              <a:defRPr/>
+              <a:buSzPts val="4000"/>
+              <a:buNone/>
+              <a:defRPr sz="4000"/>
             </a:lvl1pPr>
             <a:lvl2pPr lvl="1">
               <a:spcBef>
@@ -3044,9 +3359,9 @@
               <a:spcAft>
                 <a:spcPts val="0"/>
               </a:spcAft>
-              <a:buSzPts val="2800"/>
-              <a:buNone/>
-              <a:defRPr/>
+              <a:buSzPts val="4000"/>
+              <a:buNone/>
+              <a:defRPr sz="4000"/>
             </a:lvl2pPr>
             <a:lvl3pPr lvl="2">
               <a:spcBef>
@@ -3055,9 +3370,9 @@
               <a:spcAft>
                 <a:spcPts val="0"/>
               </a:spcAft>
-              <a:buSzPts val="2800"/>
-              <a:buNone/>
-              <a:defRPr/>
+              <a:buSzPts val="4000"/>
+              <a:buNone/>
+              <a:defRPr sz="4000"/>
             </a:lvl3pPr>
             <a:lvl4pPr lvl="3">
               <a:spcBef>
@@ -3066,9 +3381,9 @@
               <a:spcAft>
                 <a:spcPts val="0"/>
               </a:spcAft>
-              <a:buSzPts val="2800"/>
-              <a:buNone/>
-              <a:defRPr/>
+              <a:buSzPts val="4000"/>
+              <a:buNone/>
+              <a:defRPr sz="4000"/>
             </a:lvl4pPr>
             <a:lvl5pPr lvl="4">
               <a:spcBef>
@@ -3077,9 +3392,9 @@
               <a:spcAft>
                 <a:spcPts val="0"/>
               </a:spcAft>
-              <a:buSzPts val="2800"/>
-              <a:buNone/>
-              <a:defRPr/>
+              <a:buSzPts val="4000"/>
+              <a:buNone/>
+              <a:defRPr sz="4000"/>
             </a:lvl5pPr>
             <a:lvl6pPr lvl="5">
               <a:spcBef>
@@ -3088,9 +3403,9 @@
               <a:spcAft>
                 <a:spcPts val="0"/>
               </a:spcAft>
-              <a:buSzPts val="2800"/>
-              <a:buNone/>
-              <a:defRPr/>
+              <a:buSzPts val="4000"/>
+              <a:buNone/>
+              <a:defRPr sz="4000"/>
             </a:lvl6pPr>
             <a:lvl7pPr lvl="6">
               <a:spcBef>
@@ -3099,9 +3414,9 @@
               <a:spcAft>
                 <a:spcPts val="0"/>
               </a:spcAft>
-              <a:buSzPts val="2800"/>
-              <a:buNone/>
-              <a:defRPr/>
+              <a:buSzPts val="4000"/>
+              <a:buNone/>
+              <a:defRPr sz="4000"/>
             </a:lvl7pPr>
             <a:lvl8pPr lvl="7">
               <a:spcBef>
@@ -3110,9 +3425,9 @@
               <a:spcAft>
                 <a:spcPts val="0"/>
               </a:spcAft>
-              <a:buSzPts val="2800"/>
-              <a:buNone/>
-              <a:defRPr/>
+              <a:buSzPts val="4000"/>
+              <a:buNone/>
+              <a:defRPr sz="4000"/>
             </a:lvl8pPr>
             <a:lvl9pPr lvl="8">
               <a:spcBef>
@@ -3121,9 +3436,9 @@
               <a:spcAft>
                 <a:spcPts val="0"/>
               </a:spcAft>
-              <a:buSzPts val="2800"/>
-              <a:buNone/>
-              <a:defRPr/>
+              <a:buSzPts val="4000"/>
+              <a:buNone/>
+              <a:defRPr sz="4000"/>
             </a:lvl9pPr>
           </a:lstStyle>
           <a:p/>
@@ -3131,7 +3446,7 @@
       </p:sp>
       <p:sp>
         <p:nvSpPr>
-          <p:cNvPr id="27" name="Google Shape;27;p6"/>
+          <p:cNvPr id="28" name="Google Shape;28;p6"/>
           <p:cNvSpPr txBox="1"/>
           <p:nvPr>
             <p:ph idx="12" type="sldNum"/>
@@ -3219,7 +3534,7 @@
   <p:cSld name="ONE_COLUMN_TEXT">
     <p:spTree>
       <p:nvGrpSpPr>
-        <p:cNvPr id="28" name="Shape 28"/>
+        <p:cNvPr id="29" name="Shape 29"/>
         <p:cNvGrpSpPr/>
         <p:nvPr/>
       </p:nvGrpSpPr>
@@ -3233,7 +3548,7 @@
       </p:grpSpPr>
       <p:sp>
         <p:nvSpPr>
-          <p:cNvPr id="29" name="Google Shape;29;p7"/>
+          <p:cNvPr id="30" name="Google Shape;30;p7"/>
           <p:cNvSpPr txBox="1"/>
           <p:nvPr>
             <p:ph type="title"/>
@@ -3260,9 +3575,13 @@
               <a:spcAft>
                 <a:spcPts val="0"/>
               </a:spcAft>
-              <a:buSzPts val="2400"/>
-              <a:buNone/>
-              <a:defRPr sz="2400"/>
+              <a:buSzPts val="3000"/>
+              <a:buNone/>
+              <a:defRPr sz="3000">
+                <a:highlight>
+                  <a:schemeClr val="dk1"/>
+                </a:highlight>
+              </a:defRPr>
             </a:lvl1pPr>
             <a:lvl2pPr lvl="1">
               <a:spcBef>
@@ -3271,9 +3590,13 @@
               <a:spcAft>
                 <a:spcPts val="0"/>
               </a:spcAft>
-              <a:buSzPts val="2400"/>
-              <a:buNone/>
-              <a:defRPr sz="2400"/>
+              <a:buSzPts val="3000"/>
+              <a:buNone/>
+              <a:defRPr sz="3000">
+                <a:highlight>
+                  <a:schemeClr val="dk1"/>
+                </a:highlight>
+              </a:defRPr>
             </a:lvl2pPr>
             <a:lvl3pPr lvl="2">
               <a:spcBef>
@@ -3282,9 +3605,13 @@
               <a:spcAft>
                 <a:spcPts val="0"/>
               </a:spcAft>
-              <a:buSzPts val="2400"/>
-              <a:buNone/>
-              <a:defRPr sz="2400"/>
+              <a:buSzPts val="3000"/>
+              <a:buNone/>
+              <a:defRPr sz="3000">
+                <a:highlight>
+                  <a:schemeClr val="dk1"/>
+                </a:highlight>
+              </a:defRPr>
             </a:lvl3pPr>
             <a:lvl4pPr lvl="3">
               <a:spcBef>
@@ -3293,9 +3620,13 @@
               <a:spcAft>
                 <a:spcPts val="0"/>
               </a:spcAft>
-              <a:buSzPts val="2400"/>
-              <a:buNone/>
-              <a:defRPr sz="2400"/>
+              <a:buSzPts val="3000"/>
+              <a:buNone/>
+              <a:defRPr sz="3000">
+                <a:highlight>
+                  <a:schemeClr val="dk1"/>
+                </a:highlight>
+              </a:defRPr>
             </a:lvl4pPr>
             <a:lvl5pPr lvl="4">
               <a:spcBef>
@@ -3304,9 +3635,13 @@
               <a:spcAft>
                 <a:spcPts val="0"/>
               </a:spcAft>
-              <a:buSzPts val="2400"/>
-              <a:buNone/>
-              <a:defRPr sz="2400"/>
+              <a:buSzPts val="3000"/>
+              <a:buNone/>
+              <a:defRPr sz="3000">
+                <a:highlight>
+                  <a:schemeClr val="dk1"/>
+                </a:highlight>
+              </a:defRPr>
             </a:lvl5pPr>
             <a:lvl6pPr lvl="5">
               <a:spcBef>
@@ -3315,9 +3650,13 @@
               <a:spcAft>
                 <a:spcPts val="0"/>
               </a:spcAft>
-              <a:buSzPts val="2400"/>
-              <a:buNone/>
-              <a:defRPr sz="2400"/>
+              <a:buSzPts val="3000"/>
+              <a:buNone/>
+              <a:defRPr sz="3000">
+                <a:highlight>
+                  <a:schemeClr val="dk1"/>
+                </a:highlight>
+              </a:defRPr>
             </a:lvl6pPr>
             <a:lvl7pPr lvl="6">
               <a:spcBef>
@@ -3326,9 +3665,13 @@
               <a:spcAft>
                 <a:spcPts val="0"/>
               </a:spcAft>
-              <a:buSzPts val="2400"/>
-              <a:buNone/>
-              <a:defRPr sz="2400"/>
+              <a:buSzPts val="3000"/>
+              <a:buNone/>
+              <a:defRPr sz="3000">
+                <a:highlight>
+                  <a:schemeClr val="dk1"/>
+                </a:highlight>
+              </a:defRPr>
             </a:lvl7pPr>
             <a:lvl8pPr lvl="7">
               <a:spcBef>
@@ -3337,9 +3680,13 @@
               <a:spcAft>
                 <a:spcPts val="0"/>
               </a:spcAft>
-              <a:buSzPts val="2400"/>
-              <a:buNone/>
-              <a:defRPr sz="2400"/>
+              <a:buSzPts val="3000"/>
+              <a:buNone/>
+              <a:defRPr sz="3000">
+                <a:highlight>
+                  <a:schemeClr val="dk1"/>
+                </a:highlight>
+              </a:defRPr>
             </a:lvl8pPr>
             <a:lvl9pPr lvl="8">
               <a:spcBef>
@@ -3348,9 +3695,13 @@
               <a:spcAft>
                 <a:spcPts val="0"/>
               </a:spcAft>
-              <a:buSzPts val="2400"/>
-              <a:buNone/>
-              <a:defRPr sz="2400"/>
+              <a:buSzPts val="3000"/>
+              <a:buNone/>
+              <a:defRPr sz="3000">
+                <a:highlight>
+                  <a:schemeClr val="dk1"/>
+                </a:highlight>
+              </a:defRPr>
             </a:lvl9pPr>
           </a:lstStyle>
           <a:p/>
@@ -3358,7 +3709,7 @@
       </p:sp>
       <p:sp>
         <p:nvSpPr>
-          <p:cNvPr id="30" name="Google Shape;30;p7"/>
+          <p:cNvPr id="31" name="Google Shape;31;p7"/>
           <p:cNvSpPr txBox="1"/>
           <p:nvPr>
             <p:ph idx="1" type="body"/>
@@ -3483,7 +3834,7 @@
       </p:sp>
       <p:sp>
         <p:nvSpPr>
-          <p:cNvPr id="31" name="Google Shape;31;p7"/>
+          <p:cNvPr id="32" name="Google Shape;32;p7"/>
           <p:cNvSpPr txBox="1"/>
           <p:nvPr>
             <p:ph idx="12" type="sldNum"/>
@@ -3569,9 +3920,16 @@
 <file path=ppt/slideLayouts/slideLayout7.xml><?xml version="1.0" encoding="utf-8"?>
 <p:sldLayout xmlns:a="http://schemas.openxmlformats.org/drawingml/2006/main" xmlns:r="http://schemas.openxmlformats.org/officeDocument/2006/relationships" xmlns:mc="http://schemas.openxmlformats.org/markup-compatibility/2006" xmlns:mv="urn:schemas-microsoft-com:mac:vml" xmlns:p="http://schemas.openxmlformats.org/presentationml/2006/main" xmlns:c="http://schemas.openxmlformats.org/drawingml/2006/chart" xmlns:dgm="http://schemas.openxmlformats.org/drawingml/2006/diagram" xmlns:o="urn:schemas-microsoft-com:office:office" xmlns:v="urn:schemas-microsoft-com:vml" xmlns:pvml="urn:schemas-microsoft-com:office:powerpoint" xmlns:com="http://schemas.openxmlformats.org/drawingml/2006/compatibility" xmlns:p14="http://schemas.microsoft.com/office/powerpoint/2010/main" xmlns:p15="http://schemas.microsoft.com/office/powerpoint/2012/main" xmlns:ahyp="http://schemas.microsoft.com/office/drawing/2018/hyperlinkcolor" matchingName="Main point">
   <p:cSld name="MAIN_POINT">
+    <p:bg>
+      <p:bgPr>
+        <a:solidFill>
+          <a:schemeClr val="accent4"/>
+        </a:solidFill>
+      </p:bgPr>
+    </p:bg>
     <p:spTree>
       <p:nvGrpSpPr>
-        <p:cNvPr id="32" name="Shape 32"/>
+        <p:cNvPr id="33" name="Shape 33"/>
         <p:cNvGrpSpPr/>
         <p:nvPr/>
       </p:nvGrpSpPr>
@@ -3585,7 +3943,7 @@
       </p:grpSpPr>
       <p:sp>
         <p:nvSpPr>
-          <p:cNvPr id="33" name="Google Shape;33;p8"/>
+          <p:cNvPr id="34" name="Google Shape;34;p8"/>
           <p:cNvSpPr txBox="1"/>
           <p:nvPr>
             <p:ph type="title"/>
@@ -3593,8 +3951,8 @@
         </p:nvSpPr>
         <p:spPr>
           <a:xfrm>
-            <a:off x="490250" y="450150"/>
-            <a:ext cx="6367800" cy="4090800"/>
+            <a:off x="490250" y="526350"/>
+            <a:ext cx="5618700" cy="4090800"/>
           </a:xfrm>
           <a:prstGeom prst="rect">
             <a:avLst/>
@@ -3612,9 +3970,16 @@
               <a:spcAft>
                 <a:spcPts val="0"/>
               </a:spcAft>
-              <a:buSzPts val="4800"/>
-              <a:buNone/>
-              <a:defRPr sz="4800"/>
+              <a:buClr>
+                <a:schemeClr val="lt1"/>
+              </a:buClr>
+              <a:buSzPts val="6000"/>
+              <a:buNone/>
+              <a:defRPr sz="6000">
+                <a:solidFill>
+                  <a:schemeClr val="lt1"/>
+                </a:solidFill>
+              </a:defRPr>
             </a:lvl1pPr>
             <a:lvl2pPr lvl="1">
               <a:spcBef>
@@ -3623,9 +3988,16 @@
               <a:spcAft>
                 <a:spcPts val="0"/>
               </a:spcAft>
-              <a:buSzPts val="4800"/>
-              <a:buNone/>
-              <a:defRPr sz="4800"/>
+              <a:buClr>
+                <a:schemeClr val="lt1"/>
+              </a:buClr>
+              <a:buSzPts val="6000"/>
+              <a:buNone/>
+              <a:defRPr sz="6000">
+                <a:solidFill>
+                  <a:schemeClr val="lt1"/>
+                </a:solidFill>
+              </a:defRPr>
             </a:lvl2pPr>
             <a:lvl3pPr lvl="2">
               <a:spcBef>
@@ -3634,9 +4006,16 @@
               <a:spcAft>
                 <a:spcPts val="0"/>
               </a:spcAft>
-              <a:buSzPts val="4800"/>
-              <a:buNone/>
-              <a:defRPr sz="4800"/>
+              <a:buClr>
+                <a:schemeClr val="lt1"/>
+              </a:buClr>
+              <a:buSzPts val="6000"/>
+              <a:buNone/>
+              <a:defRPr sz="6000">
+                <a:solidFill>
+                  <a:schemeClr val="lt1"/>
+                </a:solidFill>
+              </a:defRPr>
             </a:lvl3pPr>
             <a:lvl4pPr lvl="3">
               <a:spcBef>
@@ -3645,9 +4024,16 @@
               <a:spcAft>
                 <a:spcPts val="0"/>
               </a:spcAft>
-              <a:buSzPts val="4800"/>
-              <a:buNone/>
-              <a:defRPr sz="4800"/>
+              <a:buClr>
+                <a:schemeClr val="lt1"/>
+              </a:buClr>
+              <a:buSzPts val="6000"/>
+              <a:buNone/>
+              <a:defRPr sz="6000">
+                <a:solidFill>
+                  <a:schemeClr val="lt1"/>
+                </a:solidFill>
+              </a:defRPr>
             </a:lvl4pPr>
             <a:lvl5pPr lvl="4">
               <a:spcBef>
@@ -3656,9 +4042,16 @@
               <a:spcAft>
                 <a:spcPts val="0"/>
               </a:spcAft>
-              <a:buSzPts val="4800"/>
-              <a:buNone/>
-              <a:defRPr sz="4800"/>
+              <a:buClr>
+                <a:schemeClr val="lt1"/>
+              </a:buClr>
+              <a:buSzPts val="6000"/>
+              <a:buNone/>
+              <a:defRPr sz="6000">
+                <a:solidFill>
+                  <a:schemeClr val="lt1"/>
+                </a:solidFill>
+              </a:defRPr>
             </a:lvl5pPr>
             <a:lvl6pPr lvl="5">
               <a:spcBef>
@@ -3667,9 +4060,16 @@
               <a:spcAft>
                 <a:spcPts val="0"/>
               </a:spcAft>
-              <a:buSzPts val="4800"/>
-              <a:buNone/>
-              <a:defRPr sz="4800"/>
+              <a:buClr>
+                <a:schemeClr val="lt1"/>
+              </a:buClr>
+              <a:buSzPts val="6000"/>
+              <a:buNone/>
+              <a:defRPr sz="6000">
+                <a:solidFill>
+                  <a:schemeClr val="lt1"/>
+                </a:solidFill>
+              </a:defRPr>
             </a:lvl6pPr>
             <a:lvl7pPr lvl="6">
               <a:spcBef>
@@ -3678,9 +4078,16 @@
               <a:spcAft>
                 <a:spcPts val="0"/>
               </a:spcAft>
-              <a:buSzPts val="4800"/>
-              <a:buNone/>
-              <a:defRPr sz="4800"/>
+              <a:buClr>
+                <a:schemeClr val="lt1"/>
+              </a:buClr>
+              <a:buSzPts val="6000"/>
+              <a:buNone/>
+              <a:defRPr sz="6000">
+                <a:solidFill>
+                  <a:schemeClr val="lt1"/>
+                </a:solidFill>
+              </a:defRPr>
             </a:lvl7pPr>
             <a:lvl8pPr lvl="7">
               <a:spcBef>
@@ -3689,9 +4096,16 @@
               <a:spcAft>
                 <a:spcPts val="0"/>
               </a:spcAft>
-              <a:buSzPts val="4800"/>
-              <a:buNone/>
-              <a:defRPr sz="4800"/>
+              <a:buClr>
+                <a:schemeClr val="lt1"/>
+              </a:buClr>
+              <a:buSzPts val="6000"/>
+              <a:buNone/>
+              <a:defRPr sz="6000">
+                <a:solidFill>
+                  <a:schemeClr val="lt1"/>
+                </a:solidFill>
+              </a:defRPr>
             </a:lvl8pPr>
             <a:lvl9pPr lvl="8">
               <a:spcBef>
@@ -3700,9 +4114,16 @@
               <a:spcAft>
                 <a:spcPts val="0"/>
               </a:spcAft>
-              <a:buSzPts val="4800"/>
-              <a:buNone/>
-              <a:defRPr sz="4800"/>
+              <a:buClr>
+                <a:schemeClr val="lt1"/>
+              </a:buClr>
+              <a:buSzPts val="6000"/>
+              <a:buNone/>
+              <a:defRPr sz="6000">
+                <a:solidFill>
+                  <a:schemeClr val="lt1"/>
+                </a:solidFill>
+              </a:defRPr>
             </a:lvl9pPr>
           </a:lstStyle>
           <a:p/>
@@ -3710,7 +4131,7 @@
       </p:sp>
       <p:sp>
         <p:nvSpPr>
-          <p:cNvPr id="34" name="Google Shape;34;p8"/>
+          <p:cNvPr id="35" name="Google Shape;35;p8"/>
           <p:cNvSpPr txBox="1"/>
           <p:nvPr>
             <p:ph idx="12" type="sldNum"/>
@@ -3732,39 +4153,75 @@
           <a:lstStyle>
             <a:lvl1pPr lvl="0">
               <a:buNone/>
-              <a:defRPr/>
+              <a:defRPr>
+                <a:solidFill>
+                  <a:schemeClr val="lt1"/>
+                </a:solidFill>
+              </a:defRPr>
             </a:lvl1pPr>
             <a:lvl2pPr lvl="1">
               <a:buNone/>
-              <a:defRPr/>
+              <a:defRPr>
+                <a:solidFill>
+                  <a:schemeClr val="lt1"/>
+                </a:solidFill>
+              </a:defRPr>
             </a:lvl2pPr>
             <a:lvl3pPr lvl="2">
               <a:buNone/>
-              <a:defRPr/>
+              <a:defRPr>
+                <a:solidFill>
+                  <a:schemeClr val="lt1"/>
+                </a:solidFill>
+              </a:defRPr>
             </a:lvl3pPr>
             <a:lvl4pPr lvl="3">
               <a:buNone/>
-              <a:defRPr/>
+              <a:defRPr>
+                <a:solidFill>
+                  <a:schemeClr val="lt1"/>
+                </a:solidFill>
+              </a:defRPr>
             </a:lvl4pPr>
             <a:lvl5pPr lvl="4">
               <a:buNone/>
-              <a:defRPr/>
+              <a:defRPr>
+                <a:solidFill>
+                  <a:schemeClr val="lt1"/>
+                </a:solidFill>
+              </a:defRPr>
             </a:lvl5pPr>
             <a:lvl6pPr lvl="5">
               <a:buNone/>
-              <a:defRPr/>
+              <a:defRPr>
+                <a:solidFill>
+                  <a:schemeClr val="lt1"/>
+                </a:solidFill>
+              </a:defRPr>
             </a:lvl6pPr>
             <a:lvl7pPr lvl="6">
               <a:buNone/>
-              <a:defRPr/>
+              <a:defRPr>
+                <a:solidFill>
+                  <a:schemeClr val="lt1"/>
+                </a:solidFill>
+              </a:defRPr>
             </a:lvl7pPr>
             <a:lvl8pPr lvl="7">
               <a:buNone/>
-              <a:defRPr/>
+              <a:defRPr>
+                <a:solidFill>
+                  <a:schemeClr val="lt1"/>
+                </a:solidFill>
+              </a:defRPr>
             </a:lvl8pPr>
             <a:lvl9pPr lvl="8">
               <a:buNone/>
-              <a:defRPr/>
+              <a:defRPr>
+                <a:solidFill>
+                  <a:schemeClr val="lt1"/>
+                </a:solidFill>
+              </a:defRPr>
             </a:lvl9pPr>
           </a:lstStyle>
           <a:p>
@@ -3798,7 +4255,7 @@
   <p:cSld name="SECTION_TITLE_AND_DESCRIPTION">
     <p:spTree>
       <p:nvGrpSpPr>
-        <p:cNvPr id="35" name="Shape 35"/>
+        <p:cNvPr id="36" name="Shape 36"/>
         <p:cNvGrpSpPr/>
         <p:nvPr/>
       </p:nvGrpSpPr>
@@ -3812,20 +4269,20 @@
       </p:grpSpPr>
       <p:sp>
         <p:nvSpPr>
-          <p:cNvPr id="36" name="Google Shape;36;p9"/>
+          <p:cNvPr id="37" name="Google Shape;37;p9"/>
           <p:cNvSpPr/>
           <p:nvPr/>
         </p:nvSpPr>
         <p:spPr>
           <a:xfrm>
-            <a:off x="4572000" y="-125"/>
+            <a:off x="4572000" y="-25"/>
             <a:ext cx="4572000" cy="5143500"/>
           </a:xfrm>
           <a:prstGeom prst="rect">
             <a:avLst/>
           </a:prstGeom>
           <a:solidFill>
-            <a:schemeClr val="lt2"/>
+            <a:schemeClr val="dk1"/>
           </a:solidFill>
           <a:ln>
             <a:noFill/>
@@ -3853,9 +4310,35 @@
           </a:p>
         </p:txBody>
       </p:sp>
+      <p:cxnSp>
+        <p:nvCxnSpPr>
+          <p:cNvPr id="38" name="Google Shape;38;p9"/>
+          <p:cNvCxnSpPr/>
+          <p:nvPr/>
+        </p:nvCxnSpPr>
+        <p:spPr>
+          <a:xfrm>
+            <a:off x="5029675" y="4495500"/>
+            <a:ext cx="468300" cy="0"/>
+          </a:xfrm>
+          <a:prstGeom prst="straightConnector1">
+            <a:avLst/>
+          </a:prstGeom>
+          <a:noFill/>
+          <a:ln cap="flat" cmpd="sng" w="28575">
+            <a:solidFill>
+              <a:schemeClr val="lt1"/>
+            </a:solidFill>
+            <a:prstDash val="solid"/>
+            <a:round/>
+            <a:headEnd len="sm" w="sm" type="none"/>
+            <a:tailEnd len="sm" w="sm" type="none"/>
+          </a:ln>
+        </p:spPr>
+      </p:cxnSp>
       <p:sp>
         <p:nvSpPr>
-          <p:cNvPr id="37" name="Google Shape;37;p9"/>
+          <p:cNvPr id="39" name="Google Shape;39;p9"/>
           <p:cNvSpPr txBox="1"/>
           <p:nvPr>
             <p:ph type="title"/>
@@ -3863,8 +4346,8 @@
         </p:nvSpPr>
         <p:spPr>
           <a:xfrm>
-            <a:off x="265500" y="1233175"/>
-            <a:ext cx="4045200" cy="1482300"/>
+            <a:off x="265500" y="1081400"/>
+            <a:ext cx="4045200" cy="1710300"/>
           </a:xfrm>
           <a:prstGeom prst="rect">
             <a:avLst/>
@@ -3882,9 +4365,9 @@
               <a:spcAft>
                 <a:spcPts val="0"/>
               </a:spcAft>
-              <a:buSzPts val="4200"/>
-              <a:buNone/>
-              <a:defRPr sz="4200"/>
+              <a:buSzPts val="5400"/>
+              <a:buNone/>
+              <a:defRPr sz="5400"/>
             </a:lvl1pPr>
             <a:lvl2pPr lvl="1" algn="ctr">
               <a:spcBef>
@@ -3893,9 +4376,9 @@
               <a:spcAft>
                 <a:spcPts val="0"/>
               </a:spcAft>
-              <a:buSzPts val="4200"/>
-              <a:buNone/>
-              <a:defRPr sz="4200"/>
+              <a:buSzPts val="5400"/>
+              <a:buNone/>
+              <a:defRPr sz="5400"/>
             </a:lvl2pPr>
             <a:lvl3pPr lvl="2" algn="ctr">
               <a:spcBef>
@@ -3904,9 +4387,9 @@
               <a:spcAft>
                 <a:spcPts val="0"/>
               </a:spcAft>
-              <a:buSzPts val="4200"/>
-              <a:buNone/>
-              <a:defRPr sz="4200"/>
+              <a:buSzPts val="5400"/>
+              <a:buNone/>
+              <a:defRPr sz="5400"/>
             </a:lvl3pPr>
             <a:lvl4pPr lvl="3" algn="ctr">
               <a:spcBef>
@@ -3915,9 +4398,9 @@
               <a:spcAft>
                 <a:spcPts val="0"/>
               </a:spcAft>
-              <a:buSzPts val="4200"/>
-              <a:buNone/>
-              <a:defRPr sz="4200"/>
+              <a:buSzPts val="5400"/>
+              <a:buNone/>
+              <a:defRPr sz="5400"/>
             </a:lvl4pPr>
             <a:lvl5pPr lvl="4" algn="ctr">
               <a:spcBef>
@@ -3926,9 +4409,9 @@
               <a:spcAft>
                 <a:spcPts val="0"/>
               </a:spcAft>
-              <a:buSzPts val="4200"/>
-              <a:buNone/>
-              <a:defRPr sz="4200"/>
+              <a:buSzPts val="5400"/>
+              <a:buNone/>
+              <a:defRPr sz="5400"/>
             </a:lvl5pPr>
             <a:lvl6pPr lvl="5" algn="ctr">
               <a:spcBef>
@@ -3937,9 +4420,9 @@
               <a:spcAft>
                 <a:spcPts val="0"/>
               </a:spcAft>
-              <a:buSzPts val="4200"/>
-              <a:buNone/>
-              <a:defRPr sz="4200"/>
+              <a:buSzPts val="5400"/>
+              <a:buNone/>
+              <a:defRPr sz="5400"/>
             </a:lvl6pPr>
             <a:lvl7pPr lvl="6" algn="ctr">
               <a:spcBef>
@@ -3948,9 +4431,9 @@
               <a:spcAft>
                 <a:spcPts val="0"/>
               </a:spcAft>
-              <a:buSzPts val="4200"/>
-              <a:buNone/>
-              <a:defRPr sz="4200"/>
+              <a:buSzPts val="5400"/>
+              <a:buNone/>
+              <a:defRPr sz="5400"/>
             </a:lvl7pPr>
             <a:lvl8pPr lvl="7" algn="ctr">
               <a:spcBef>
@@ -3959,9 +4442,9 @@
               <a:spcAft>
                 <a:spcPts val="0"/>
               </a:spcAft>
-              <a:buSzPts val="4200"/>
-              <a:buNone/>
-              <a:defRPr sz="4200"/>
+              <a:buSzPts val="5400"/>
+              <a:buNone/>
+              <a:defRPr sz="5400"/>
             </a:lvl8pPr>
             <a:lvl9pPr lvl="8" algn="ctr">
               <a:spcBef>
@@ -3970,9 +4453,9 @@
               <a:spcAft>
                 <a:spcPts val="0"/>
               </a:spcAft>
-              <a:buSzPts val="4200"/>
-              <a:buNone/>
-              <a:defRPr sz="4200"/>
+              <a:buSzPts val="5400"/>
+              <a:buNone/>
+              <a:defRPr sz="5400"/>
             </a:lvl9pPr>
           </a:lstStyle>
           <a:p/>
@@ -3980,7 +4463,7 @@
       </p:sp>
       <p:sp>
         <p:nvSpPr>
-          <p:cNvPr id="38" name="Google Shape;38;p9"/>
+          <p:cNvPr id="40" name="Google Shape;40;p9"/>
           <p:cNvSpPr txBox="1"/>
           <p:nvPr>
             <p:ph idx="1" type="subTitle"/>
@@ -3988,8 +4471,8 @@
         </p:nvSpPr>
         <p:spPr>
           <a:xfrm>
-            <a:off x="265500" y="2803075"/>
-            <a:ext cx="4045200" cy="1235100"/>
+            <a:off x="265500" y="2845223"/>
+            <a:ext cx="4045200" cy="1345500"/>
           </a:xfrm>
           <a:prstGeom prst="rect">
             <a:avLst/>
@@ -4010,9 +4493,9 @@
               <a:spcAft>
                 <a:spcPts val="0"/>
               </a:spcAft>
-              <a:buSzPts val="2100"/>
-              <a:buNone/>
-              <a:defRPr sz="2100"/>
+              <a:buSzPts val="1800"/>
+              <a:buNone/>
+              <a:defRPr/>
             </a:lvl1pPr>
             <a:lvl2pPr lvl="1" algn="ctr">
               <a:lnSpc>
@@ -4024,9 +4507,9 @@
               <a:spcAft>
                 <a:spcPts val="0"/>
               </a:spcAft>
-              <a:buSzPts val="2100"/>
-              <a:buNone/>
-              <a:defRPr sz="2100"/>
+              <a:buSzPts val="1800"/>
+              <a:buNone/>
+              <a:defRPr sz="1800"/>
             </a:lvl2pPr>
             <a:lvl3pPr lvl="2" algn="ctr">
               <a:lnSpc>
@@ -4038,9 +4521,9 @@
               <a:spcAft>
                 <a:spcPts val="0"/>
               </a:spcAft>
-              <a:buSzPts val="2100"/>
-              <a:buNone/>
-              <a:defRPr sz="2100"/>
+              <a:buSzPts val="1800"/>
+              <a:buNone/>
+              <a:defRPr sz="1800"/>
             </a:lvl3pPr>
             <a:lvl4pPr lvl="3" algn="ctr">
               <a:lnSpc>
@@ -4052,9 +4535,9 @@
               <a:spcAft>
                 <a:spcPts val="0"/>
               </a:spcAft>
-              <a:buSzPts val="2100"/>
-              <a:buNone/>
-              <a:defRPr sz="2100"/>
+              <a:buSzPts val="1800"/>
+              <a:buNone/>
+              <a:defRPr sz="1800"/>
             </a:lvl4pPr>
             <a:lvl5pPr lvl="4" algn="ctr">
               <a:lnSpc>
@@ -4066,9 +4549,9 @@
               <a:spcAft>
                 <a:spcPts val="0"/>
               </a:spcAft>
-              <a:buSzPts val="2100"/>
-              <a:buNone/>
-              <a:defRPr sz="2100"/>
+              <a:buSzPts val="1800"/>
+              <a:buNone/>
+              <a:defRPr sz="1800"/>
             </a:lvl5pPr>
             <a:lvl6pPr lvl="5" algn="ctr">
               <a:lnSpc>
@@ -4080,9 +4563,9 @@
               <a:spcAft>
                 <a:spcPts val="0"/>
               </a:spcAft>
-              <a:buSzPts val="2100"/>
-              <a:buNone/>
-              <a:defRPr sz="2100"/>
+              <a:buSzPts val="1800"/>
+              <a:buNone/>
+              <a:defRPr sz="1800"/>
             </a:lvl6pPr>
             <a:lvl7pPr lvl="6" algn="ctr">
               <a:lnSpc>
@@ -4094,9 +4577,9 @@
               <a:spcAft>
                 <a:spcPts val="0"/>
               </a:spcAft>
-              <a:buSzPts val="2100"/>
-              <a:buNone/>
-              <a:defRPr sz="2100"/>
+              <a:buSzPts val="1800"/>
+              <a:buNone/>
+              <a:defRPr sz="1800"/>
             </a:lvl7pPr>
             <a:lvl8pPr lvl="7" algn="ctr">
               <a:lnSpc>
@@ -4108,9 +4591,9 @@
               <a:spcAft>
                 <a:spcPts val="0"/>
               </a:spcAft>
-              <a:buSzPts val="2100"/>
-              <a:buNone/>
-              <a:defRPr sz="2100"/>
+              <a:buSzPts val="1800"/>
+              <a:buNone/>
+              <a:defRPr sz="1800"/>
             </a:lvl8pPr>
             <a:lvl9pPr lvl="8" algn="ctr">
               <a:lnSpc>
@@ -4122,9 +4605,9 @@
               <a:spcAft>
                 <a:spcPts val="0"/>
               </a:spcAft>
-              <a:buSzPts val="2100"/>
-              <a:buNone/>
-              <a:defRPr sz="2100"/>
+              <a:buSzPts val="1800"/>
+              <a:buNone/>
+              <a:defRPr sz="1800"/>
             </a:lvl9pPr>
           </a:lstStyle>
           <a:p/>
@@ -4132,7 +4615,7 @@
       </p:sp>
       <p:sp>
         <p:nvSpPr>
-          <p:cNvPr id="39" name="Google Shape;39;p9"/>
+          <p:cNvPr id="41" name="Google Shape;41;p9"/>
           <p:cNvSpPr txBox="1"/>
           <p:nvPr>
             <p:ph idx="2" type="body"/>
@@ -4140,7 +4623,7 @@
         </p:nvSpPr>
         <p:spPr>
           <a:xfrm>
-            <a:off x="4939500" y="724075"/>
+            <a:off x="4939500" y="724200"/>
             <a:ext cx="3837000" cy="3695100"/>
           </a:xfrm>
           <a:prstGeom prst="rect">
@@ -4159,9 +4642,19 @@
               <a:spcAft>
                 <a:spcPts val="0"/>
               </a:spcAft>
+              <a:buClr>
+                <a:schemeClr val="accent1"/>
+              </a:buClr>
               <a:buSzPts val="1800"/>
               <a:buChar char="●"/>
-              <a:defRPr/>
+              <a:defRPr>
+                <a:solidFill>
+                  <a:schemeClr val="accent1"/>
+                </a:solidFill>
+                <a:highlight>
+                  <a:schemeClr val="lt1"/>
+                </a:highlight>
+              </a:defRPr>
             </a:lvl1pPr>
             <a:lvl2pPr indent="-317500" lvl="1" marL="914400">
               <a:spcBef>
@@ -4170,9 +4663,19 @@
               <a:spcAft>
                 <a:spcPts val="0"/>
               </a:spcAft>
+              <a:buClr>
+                <a:schemeClr val="accent1"/>
+              </a:buClr>
               <a:buSzPts val="1400"/>
               <a:buChar char="○"/>
-              <a:defRPr/>
+              <a:defRPr>
+                <a:solidFill>
+                  <a:schemeClr val="accent1"/>
+                </a:solidFill>
+                <a:highlight>
+                  <a:schemeClr val="lt1"/>
+                </a:highlight>
+              </a:defRPr>
             </a:lvl2pPr>
             <a:lvl3pPr indent="-317500" lvl="2" marL="1371600">
               <a:spcBef>
@@ -4181,9 +4684,19 @@
               <a:spcAft>
                 <a:spcPts val="0"/>
               </a:spcAft>
+              <a:buClr>
+                <a:schemeClr val="accent1"/>
+              </a:buClr>
               <a:buSzPts val="1400"/>
               <a:buChar char="■"/>
-              <a:defRPr/>
+              <a:defRPr>
+                <a:solidFill>
+                  <a:schemeClr val="accent1"/>
+                </a:solidFill>
+                <a:highlight>
+                  <a:schemeClr val="lt1"/>
+                </a:highlight>
+              </a:defRPr>
             </a:lvl3pPr>
             <a:lvl4pPr indent="-317500" lvl="3" marL="1828800">
               <a:spcBef>
@@ -4192,9 +4705,19 @@
               <a:spcAft>
                 <a:spcPts val="0"/>
               </a:spcAft>
+              <a:buClr>
+                <a:schemeClr val="accent1"/>
+              </a:buClr>
               <a:buSzPts val="1400"/>
               <a:buChar char="●"/>
-              <a:defRPr/>
+              <a:defRPr>
+                <a:solidFill>
+                  <a:schemeClr val="accent1"/>
+                </a:solidFill>
+                <a:highlight>
+                  <a:schemeClr val="lt1"/>
+                </a:highlight>
+              </a:defRPr>
             </a:lvl4pPr>
             <a:lvl5pPr indent="-317500" lvl="4" marL="2286000">
               <a:spcBef>
@@ -4203,9 +4726,19 @@
               <a:spcAft>
                 <a:spcPts val="0"/>
               </a:spcAft>
+              <a:buClr>
+                <a:schemeClr val="accent1"/>
+              </a:buClr>
               <a:buSzPts val="1400"/>
               <a:buChar char="○"/>
-              <a:defRPr/>
+              <a:defRPr>
+                <a:solidFill>
+                  <a:schemeClr val="accent1"/>
+                </a:solidFill>
+                <a:highlight>
+                  <a:schemeClr val="lt1"/>
+                </a:highlight>
+              </a:defRPr>
             </a:lvl5pPr>
             <a:lvl6pPr indent="-317500" lvl="5" marL="2743200">
               <a:spcBef>
@@ -4214,9 +4747,19 @@
               <a:spcAft>
                 <a:spcPts val="0"/>
               </a:spcAft>
+              <a:buClr>
+                <a:schemeClr val="accent1"/>
+              </a:buClr>
               <a:buSzPts val="1400"/>
               <a:buChar char="■"/>
-              <a:defRPr/>
+              <a:defRPr>
+                <a:solidFill>
+                  <a:schemeClr val="accent1"/>
+                </a:solidFill>
+                <a:highlight>
+                  <a:schemeClr val="lt1"/>
+                </a:highlight>
+              </a:defRPr>
             </a:lvl6pPr>
             <a:lvl7pPr indent="-317500" lvl="6" marL="3200400">
               <a:spcBef>
@@ -4225,9 +4768,19 @@
               <a:spcAft>
                 <a:spcPts val="0"/>
               </a:spcAft>
+              <a:buClr>
+                <a:schemeClr val="accent1"/>
+              </a:buClr>
               <a:buSzPts val="1400"/>
               <a:buChar char="●"/>
-              <a:defRPr/>
+              <a:defRPr>
+                <a:solidFill>
+                  <a:schemeClr val="accent1"/>
+                </a:solidFill>
+                <a:highlight>
+                  <a:schemeClr val="lt1"/>
+                </a:highlight>
+              </a:defRPr>
             </a:lvl7pPr>
             <a:lvl8pPr indent="-317500" lvl="7" marL="3657600">
               <a:spcBef>
@@ -4236,9 +4789,19 @@
               <a:spcAft>
                 <a:spcPts val="0"/>
               </a:spcAft>
+              <a:buClr>
+                <a:schemeClr val="accent1"/>
+              </a:buClr>
               <a:buSzPts val="1400"/>
               <a:buChar char="○"/>
-              <a:defRPr/>
+              <a:defRPr>
+                <a:solidFill>
+                  <a:schemeClr val="accent1"/>
+                </a:solidFill>
+                <a:highlight>
+                  <a:schemeClr val="lt1"/>
+                </a:highlight>
+              </a:defRPr>
             </a:lvl8pPr>
             <a:lvl9pPr indent="-317500" lvl="8" marL="4114800">
               <a:spcBef>
@@ -4247,9 +4810,19 @@
               <a:spcAft>
                 <a:spcPts val="0"/>
               </a:spcAft>
+              <a:buClr>
+                <a:schemeClr val="accent1"/>
+              </a:buClr>
               <a:buSzPts val="1400"/>
               <a:buChar char="■"/>
-              <a:defRPr/>
+              <a:defRPr>
+                <a:solidFill>
+                  <a:schemeClr val="accent1"/>
+                </a:solidFill>
+                <a:highlight>
+                  <a:schemeClr val="lt1"/>
+                </a:highlight>
+              </a:defRPr>
             </a:lvl9pPr>
           </a:lstStyle>
           <a:p/>
@@ -4257,7 +4830,7 @@
       </p:sp>
       <p:sp>
         <p:nvSpPr>
-          <p:cNvPr id="40" name="Google Shape;40;p9"/>
+          <p:cNvPr id="42" name="Google Shape;42;p9"/>
           <p:cNvSpPr txBox="1"/>
           <p:nvPr>
             <p:ph idx="12" type="sldNum"/>
@@ -4345,7 +4918,7 @@
   <p:cSld name="CAPTION_ONLY">
     <p:spTree>
       <p:nvGrpSpPr>
-        <p:cNvPr id="41" name="Shape 41"/>
+        <p:cNvPr id="43" name="Shape 43"/>
         <p:cNvGrpSpPr/>
         <p:nvPr/>
       </p:nvGrpSpPr>
@@ -4359,7 +4932,7 @@
       </p:grpSpPr>
       <p:sp>
         <p:nvSpPr>
-          <p:cNvPr id="42" name="Google Shape;42;p10"/>
+          <p:cNvPr id="44" name="Google Shape;44;p10"/>
           <p:cNvSpPr txBox="1"/>
           <p:nvPr>
             <p:ph idx="1" type="body"/>
@@ -4367,8 +4940,8 @@
         </p:nvSpPr>
         <p:spPr>
           <a:xfrm>
-            <a:off x="311700" y="4230575"/>
-            <a:ext cx="5998800" cy="605100"/>
+            <a:off x="319500" y="4230575"/>
+            <a:ext cx="5998800" cy="598800"/>
           </a:xfrm>
           <a:prstGeom prst="rect">
             <a:avLst/>
@@ -4389,9 +4962,21 @@
               <a:spcAft>
                 <a:spcPts val="0"/>
               </a:spcAft>
-              <a:buSzPts val="1800"/>
-              <a:buNone/>
-              <a:defRPr/>
+              <a:buClr>
+                <a:schemeClr val="accent1"/>
+              </a:buClr>
+              <a:buSzPts val="2400"/>
+              <a:buFont typeface="Amatic SC"/>
+              <a:buNone/>
+              <a:defRPr b="1" sz="2400">
+                <a:solidFill>
+                  <a:schemeClr val="accent1"/>
+                </a:solidFill>
+                <a:latin typeface="Amatic SC"/>
+                <a:ea typeface="Amatic SC"/>
+                <a:cs typeface="Amatic SC"/>
+                <a:sym typeface="Amatic SC"/>
+              </a:defRPr>
             </a:lvl1pPr>
           </a:lstStyle>
           <a:p/>
@@ -4399,7 +4984,7 @@
       </p:sp>
       <p:sp>
         <p:nvSpPr>
-          <p:cNvPr id="43" name="Google Shape;43;p10"/>
+          <p:cNvPr id="45" name="Google Shape;45;p10"/>
           <p:cNvSpPr txBox="1"/>
           <p:nvPr>
             <p:ph idx="12" type="sldNum"/>
@@ -4484,7 +5069,7 @@
 
 <file path=ppt/slideMasters/slideMaster1.xml><?xml version="1.0" encoding="utf-8"?>
 <p:sldMaster xmlns:a="http://schemas.openxmlformats.org/drawingml/2006/main" xmlns:r="http://schemas.openxmlformats.org/officeDocument/2006/relationships" xmlns:mc="http://schemas.openxmlformats.org/markup-compatibility/2006" xmlns:mv="urn:schemas-microsoft-com:mac:vml" xmlns:p="http://schemas.openxmlformats.org/presentationml/2006/main" xmlns:c="http://schemas.openxmlformats.org/drawingml/2006/chart" xmlns:dgm="http://schemas.openxmlformats.org/drawingml/2006/diagram" xmlns:o="urn:schemas-microsoft-com:office:office" xmlns:v="urn:schemas-microsoft-com:vml" xmlns:pvml="urn:schemas-microsoft-com:office:powerpoint" xmlns:com="http://schemas.openxmlformats.org/drawingml/2006/compatibility" xmlns:p14="http://schemas.microsoft.com/office/powerpoint/2010/main" xmlns:p15="http://schemas.microsoft.com/office/powerpoint/2012/main" xmlns:ahyp="http://schemas.microsoft.com/office/drawing/2018/hyperlinkcolor">
-  <p:cSld name="simple-light-2">
+  <p:cSld name="beach-day">
     <p:bg>
       <p:bgPr>
         <a:solidFill>
@@ -4516,8 +5101,8 @@
         </p:nvSpPr>
         <p:spPr>
           <a:xfrm>
-            <a:off x="311700" y="445025"/>
-            <a:ext cx="8520600" cy="572700"/>
+            <a:off x="311700" y="292850"/>
+            <a:ext cx="8520600" cy="801000"/>
           </a:xfrm>
           <a:prstGeom prst="rect">
             <a:avLst/>
@@ -4540,14 +5125,19 @@
                 <a:spcPts val="0"/>
               </a:spcAft>
               <a:buClr>
-                <a:schemeClr val="dk1"/>
+                <a:schemeClr val="accent1"/>
               </a:buClr>
-              <a:buSzPts val="2800"/>
-              <a:buNone/>
-              <a:defRPr sz="2800">
-                <a:solidFill>
-                  <a:schemeClr val="dk1"/>
-                </a:solidFill>
+              <a:buSzPts val="4200"/>
+              <a:buFont typeface="Amatic SC"/>
+              <a:buNone/>
+              <a:defRPr b="1" sz="4200">
+                <a:solidFill>
+                  <a:schemeClr val="accent1"/>
+                </a:solidFill>
+                <a:latin typeface="Amatic SC"/>
+                <a:ea typeface="Amatic SC"/>
+                <a:cs typeface="Amatic SC"/>
+                <a:sym typeface="Amatic SC"/>
               </a:defRPr>
             </a:lvl1pPr>
             <a:lvl2pPr lvl="1">
@@ -4558,14 +5148,19 @@
                 <a:spcPts val="0"/>
               </a:spcAft>
               <a:buClr>
-                <a:schemeClr val="dk1"/>
+                <a:schemeClr val="accent1"/>
               </a:buClr>
-              <a:buSzPts val="2800"/>
-              <a:buNone/>
-              <a:defRPr sz="2800">
-                <a:solidFill>
-                  <a:schemeClr val="dk1"/>
-                </a:solidFill>
+              <a:buSzPts val="4200"/>
+              <a:buFont typeface="Amatic SC"/>
+              <a:buNone/>
+              <a:defRPr b="1" sz="4200">
+                <a:solidFill>
+                  <a:schemeClr val="accent1"/>
+                </a:solidFill>
+                <a:latin typeface="Amatic SC"/>
+                <a:ea typeface="Amatic SC"/>
+                <a:cs typeface="Amatic SC"/>
+                <a:sym typeface="Amatic SC"/>
               </a:defRPr>
             </a:lvl2pPr>
             <a:lvl3pPr lvl="2">
@@ -4576,14 +5171,19 @@
                 <a:spcPts val="0"/>
               </a:spcAft>
               <a:buClr>
-                <a:schemeClr val="dk1"/>
+                <a:schemeClr val="accent1"/>
               </a:buClr>
-              <a:buSzPts val="2800"/>
-              <a:buNone/>
-              <a:defRPr sz="2800">
-                <a:solidFill>
-                  <a:schemeClr val="dk1"/>
-                </a:solidFill>
+              <a:buSzPts val="4200"/>
+              <a:buFont typeface="Amatic SC"/>
+              <a:buNone/>
+              <a:defRPr b="1" sz="4200">
+                <a:solidFill>
+                  <a:schemeClr val="accent1"/>
+                </a:solidFill>
+                <a:latin typeface="Amatic SC"/>
+                <a:ea typeface="Amatic SC"/>
+                <a:cs typeface="Amatic SC"/>
+                <a:sym typeface="Amatic SC"/>
               </a:defRPr>
             </a:lvl3pPr>
             <a:lvl4pPr lvl="3">
@@ -4594,14 +5194,19 @@
                 <a:spcPts val="0"/>
               </a:spcAft>
               <a:buClr>
-                <a:schemeClr val="dk1"/>
+                <a:schemeClr val="accent1"/>
               </a:buClr>
-              <a:buSzPts val="2800"/>
-              <a:buNone/>
-              <a:defRPr sz="2800">
-                <a:solidFill>
-                  <a:schemeClr val="dk1"/>
-                </a:solidFill>
+              <a:buSzPts val="4200"/>
+              <a:buFont typeface="Amatic SC"/>
+              <a:buNone/>
+              <a:defRPr b="1" sz="4200">
+                <a:solidFill>
+                  <a:schemeClr val="accent1"/>
+                </a:solidFill>
+                <a:latin typeface="Amatic SC"/>
+                <a:ea typeface="Amatic SC"/>
+                <a:cs typeface="Amatic SC"/>
+                <a:sym typeface="Amatic SC"/>
               </a:defRPr>
             </a:lvl4pPr>
             <a:lvl5pPr lvl="4">
@@ -4612,14 +5217,19 @@
                 <a:spcPts val="0"/>
               </a:spcAft>
               <a:buClr>
-                <a:schemeClr val="dk1"/>
+                <a:schemeClr val="accent1"/>
               </a:buClr>
-              <a:buSzPts val="2800"/>
-              <a:buNone/>
-              <a:defRPr sz="2800">
-                <a:solidFill>
-                  <a:schemeClr val="dk1"/>
-                </a:solidFill>
+              <a:buSzPts val="4200"/>
+              <a:buFont typeface="Amatic SC"/>
+              <a:buNone/>
+              <a:defRPr b="1" sz="4200">
+                <a:solidFill>
+                  <a:schemeClr val="accent1"/>
+                </a:solidFill>
+                <a:latin typeface="Amatic SC"/>
+                <a:ea typeface="Amatic SC"/>
+                <a:cs typeface="Amatic SC"/>
+                <a:sym typeface="Amatic SC"/>
               </a:defRPr>
             </a:lvl5pPr>
             <a:lvl6pPr lvl="5">
@@ -4630,14 +5240,19 @@
                 <a:spcPts val="0"/>
               </a:spcAft>
               <a:buClr>
-                <a:schemeClr val="dk1"/>
+                <a:schemeClr val="accent1"/>
               </a:buClr>
-              <a:buSzPts val="2800"/>
-              <a:buNone/>
-              <a:defRPr sz="2800">
-                <a:solidFill>
-                  <a:schemeClr val="dk1"/>
-                </a:solidFill>
+              <a:buSzPts val="4200"/>
+              <a:buFont typeface="Amatic SC"/>
+              <a:buNone/>
+              <a:defRPr b="1" sz="4200">
+                <a:solidFill>
+                  <a:schemeClr val="accent1"/>
+                </a:solidFill>
+                <a:latin typeface="Amatic SC"/>
+                <a:ea typeface="Amatic SC"/>
+                <a:cs typeface="Amatic SC"/>
+                <a:sym typeface="Amatic SC"/>
               </a:defRPr>
             </a:lvl6pPr>
             <a:lvl7pPr lvl="6">
@@ -4648,14 +5263,19 @@
                 <a:spcPts val="0"/>
               </a:spcAft>
               <a:buClr>
-                <a:schemeClr val="dk1"/>
+                <a:schemeClr val="accent1"/>
               </a:buClr>
-              <a:buSzPts val="2800"/>
-              <a:buNone/>
-              <a:defRPr sz="2800">
-                <a:solidFill>
-                  <a:schemeClr val="dk1"/>
-                </a:solidFill>
+              <a:buSzPts val="4200"/>
+              <a:buFont typeface="Amatic SC"/>
+              <a:buNone/>
+              <a:defRPr b="1" sz="4200">
+                <a:solidFill>
+                  <a:schemeClr val="accent1"/>
+                </a:solidFill>
+                <a:latin typeface="Amatic SC"/>
+                <a:ea typeface="Amatic SC"/>
+                <a:cs typeface="Amatic SC"/>
+                <a:sym typeface="Amatic SC"/>
               </a:defRPr>
             </a:lvl7pPr>
             <a:lvl8pPr lvl="7">
@@ -4666,14 +5286,19 @@
                 <a:spcPts val="0"/>
               </a:spcAft>
               <a:buClr>
-                <a:schemeClr val="dk1"/>
+                <a:schemeClr val="accent1"/>
               </a:buClr>
-              <a:buSzPts val="2800"/>
-              <a:buNone/>
-              <a:defRPr sz="2800">
-                <a:solidFill>
-                  <a:schemeClr val="dk1"/>
-                </a:solidFill>
+              <a:buSzPts val="4200"/>
+              <a:buFont typeface="Amatic SC"/>
+              <a:buNone/>
+              <a:defRPr b="1" sz="4200">
+                <a:solidFill>
+                  <a:schemeClr val="accent1"/>
+                </a:solidFill>
+                <a:latin typeface="Amatic SC"/>
+                <a:ea typeface="Amatic SC"/>
+                <a:cs typeface="Amatic SC"/>
+                <a:sym typeface="Amatic SC"/>
               </a:defRPr>
             </a:lvl8pPr>
             <a:lvl9pPr lvl="8">
@@ -4684,14 +5309,19 @@
                 <a:spcPts val="0"/>
               </a:spcAft>
               <a:buClr>
-                <a:schemeClr val="dk1"/>
+                <a:schemeClr val="accent1"/>
               </a:buClr>
-              <a:buSzPts val="2800"/>
-              <a:buNone/>
-              <a:defRPr sz="2800">
-                <a:solidFill>
-                  <a:schemeClr val="dk1"/>
-                </a:solidFill>
+              <a:buSzPts val="4200"/>
+              <a:buFont typeface="Amatic SC"/>
+              <a:buNone/>
+              <a:defRPr b="1" sz="4200">
+                <a:solidFill>
+                  <a:schemeClr val="accent1"/>
+                </a:solidFill>
+                <a:latin typeface="Amatic SC"/>
+                <a:ea typeface="Amatic SC"/>
+                <a:cs typeface="Amatic SC"/>
+                <a:sym typeface="Amatic SC"/>
               </a:defRPr>
             </a:lvl9pPr>
           </a:lstStyle>
@@ -4708,8 +5338,8 @@
         </p:nvSpPr>
         <p:spPr>
           <a:xfrm>
-            <a:off x="311700" y="1152475"/>
-            <a:ext cx="8520600" cy="3416400"/>
+            <a:off x="311700" y="1228675"/>
+            <a:ext cx="8520600" cy="3340200"/>
           </a:xfrm>
           <a:prstGeom prst="rect">
             <a:avLst/>
@@ -4738,11 +5368,16 @@
                 <a:schemeClr val="dk2"/>
               </a:buClr>
               <a:buSzPts val="1800"/>
+              <a:buFont typeface="Source Code Pro"/>
               <a:buChar char="●"/>
               <a:defRPr sz="1800">
                 <a:solidFill>
                   <a:schemeClr val="dk2"/>
                 </a:solidFill>
+                <a:latin typeface="Source Code Pro"/>
+                <a:ea typeface="Source Code Pro"/>
+                <a:cs typeface="Source Code Pro"/>
+                <a:sym typeface="Source Code Pro"/>
               </a:defRPr>
             </a:lvl1pPr>
             <a:lvl2pPr indent="-317500" lvl="1" marL="914400">
@@ -4759,11 +5394,16 @@
                 <a:schemeClr val="dk2"/>
               </a:buClr>
               <a:buSzPts val="1400"/>
+              <a:buFont typeface="Source Code Pro"/>
               <a:buChar char="○"/>
               <a:defRPr>
                 <a:solidFill>
                   <a:schemeClr val="dk2"/>
                 </a:solidFill>
+                <a:latin typeface="Source Code Pro"/>
+                <a:ea typeface="Source Code Pro"/>
+                <a:cs typeface="Source Code Pro"/>
+                <a:sym typeface="Source Code Pro"/>
               </a:defRPr>
             </a:lvl2pPr>
             <a:lvl3pPr indent="-317500" lvl="2" marL="1371600">
@@ -4780,11 +5420,16 @@
                 <a:schemeClr val="dk2"/>
               </a:buClr>
               <a:buSzPts val="1400"/>
+              <a:buFont typeface="Source Code Pro"/>
               <a:buChar char="■"/>
               <a:defRPr>
                 <a:solidFill>
                   <a:schemeClr val="dk2"/>
                 </a:solidFill>
+                <a:latin typeface="Source Code Pro"/>
+                <a:ea typeface="Source Code Pro"/>
+                <a:cs typeface="Source Code Pro"/>
+                <a:sym typeface="Source Code Pro"/>
               </a:defRPr>
             </a:lvl3pPr>
             <a:lvl4pPr indent="-317500" lvl="3" marL="1828800">
@@ -4801,11 +5446,16 @@
                 <a:schemeClr val="dk2"/>
               </a:buClr>
               <a:buSzPts val="1400"/>
+              <a:buFont typeface="Source Code Pro"/>
               <a:buChar char="●"/>
               <a:defRPr>
                 <a:solidFill>
                   <a:schemeClr val="dk2"/>
                 </a:solidFill>
+                <a:latin typeface="Source Code Pro"/>
+                <a:ea typeface="Source Code Pro"/>
+                <a:cs typeface="Source Code Pro"/>
+                <a:sym typeface="Source Code Pro"/>
               </a:defRPr>
             </a:lvl4pPr>
             <a:lvl5pPr indent="-317500" lvl="4" marL="2286000">
@@ -4822,11 +5472,16 @@
                 <a:schemeClr val="dk2"/>
               </a:buClr>
               <a:buSzPts val="1400"/>
+              <a:buFont typeface="Source Code Pro"/>
               <a:buChar char="○"/>
               <a:defRPr>
                 <a:solidFill>
                   <a:schemeClr val="dk2"/>
                 </a:solidFill>
+                <a:latin typeface="Source Code Pro"/>
+                <a:ea typeface="Source Code Pro"/>
+                <a:cs typeface="Source Code Pro"/>
+                <a:sym typeface="Source Code Pro"/>
               </a:defRPr>
             </a:lvl5pPr>
             <a:lvl6pPr indent="-317500" lvl="5" marL="2743200">
@@ -4843,11 +5498,16 @@
                 <a:schemeClr val="dk2"/>
               </a:buClr>
               <a:buSzPts val="1400"/>
+              <a:buFont typeface="Source Code Pro"/>
               <a:buChar char="■"/>
               <a:defRPr>
                 <a:solidFill>
                   <a:schemeClr val="dk2"/>
                 </a:solidFill>
+                <a:latin typeface="Source Code Pro"/>
+                <a:ea typeface="Source Code Pro"/>
+                <a:cs typeface="Source Code Pro"/>
+                <a:sym typeface="Source Code Pro"/>
               </a:defRPr>
             </a:lvl6pPr>
             <a:lvl7pPr indent="-317500" lvl="6" marL="3200400">
@@ -4864,11 +5524,16 @@
                 <a:schemeClr val="dk2"/>
               </a:buClr>
               <a:buSzPts val="1400"/>
+              <a:buFont typeface="Source Code Pro"/>
               <a:buChar char="●"/>
               <a:defRPr>
                 <a:solidFill>
                   <a:schemeClr val="dk2"/>
                 </a:solidFill>
+                <a:latin typeface="Source Code Pro"/>
+                <a:ea typeface="Source Code Pro"/>
+                <a:cs typeface="Source Code Pro"/>
+                <a:sym typeface="Source Code Pro"/>
               </a:defRPr>
             </a:lvl7pPr>
             <a:lvl8pPr indent="-317500" lvl="7" marL="3657600">
@@ -4885,11 +5550,16 @@
                 <a:schemeClr val="dk2"/>
               </a:buClr>
               <a:buSzPts val="1400"/>
+              <a:buFont typeface="Source Code Pro"/>
               <a:buChar char="○"/>
               <a:defRPr>
                 <a:solidFill>
                   <a:schemeClr val="dk2"/>
                 </a:solidFill>
+                <a:latin typeface="Source Code Pro"/>
+                <a:ea typeface="Source Code Pro"/>
+                <a:cs typeface="Source Code Pro"/>
+                <a:sym typeface="Source Code Pro"/>
               </a:defRPr>
             </a:lvl8pPr>
             <a:lvl9pPr indent="-317500" lvl="8" marL="4114800">
@@ -4906,11 +5576,16 @@
                 <a:schemeClr val="dk2"/>
               </a:buClr>
               <a:buSzPts val="1400"/>
+              <a:buFont typeface="Source Code Pro"/>
               <a:buChar char="■"/>
               <a:defRPr>
                 <a:solidFill>
                   <a:schemeClr val="dk2"/>
                 </a:solidFill>
+                <a:latin typeface="Source Code Pro"/>
+                <a:ea typeface="Source Code Pro"/>
+                <a:cs typeface="Source Code Pro"/>
+                <a:sym typeface="Source Code Pro"/>
               </a:defRPr>
             </a:lvl9pPr>
           </a:lstStyle>
@@ -4947,72 +5622,108 @@
               <a:buNone/>
               <a:defRPr sz="1000">
                 <a:solidFill>
-                  <a:schemeClr val="dk2"/>
-                </a:solidFill>
+                  <a:schemeClr val="accent1"/>
+                </a:solidFill>
+                <a:latin typeface="Source Code Pro"/>
+                <a:ea typeface="Source Code Pro"/>
+                <a:cs typeface="Source Code Pro"/>
+                <a:sym typeface="Source Code Pro"/>
               </a:defRPr>
             </a:lvl1pPr>
             <a:lvl2pPr lvl="1" algn="r">
               <a:buNone/>
               <a:defRPr sz="1000">
                 <a:solidFill>
-                  <a:schemeClr val="dk2"/>
-                </a:solidFill>
+                  <a:schemeClr val="accent1"/>
+                </a:solidFill>
+                <a:latin typeface="Source Code Pro"/>
+                <a:ea typeface="Source Code Pro"/>
+                <a:cs typeface="Source Code Pro"/>
+                <a:sym typeface="Source Code Pro"/>
               </a:defRPr>
             </a:lvl2pPr>
             <a:lvl3pPr lvl="2" algn="r">
               <a:buNone/>
               <a:defRPr sz="1000">
                 <a:solidFill>
-                  <a:schemeClr val="dk2"/>
-                </a:solidFill>
+                  <a:schemeClr val="accent1"/>
+                </a:solidFill>
+                <a:latin typeface="Source Code Pro"/>
+                <a:ea typeface="Source Code Pro"/>
+                <a:cs typeface="Source Code Pro"/>
+                <a:sym typeface="Source Code Pro"/>
               </a:defRPr>
             </a:lvl3pPr>
             <a:lvl4pPr lvl="3" algn="r">
               <a:buNone/>
               <a:defRPr sz="1000">
                 <a:solidFill>
-                  <a:schemeClr val="dk2"/>
-                </a:solidFill>
+                  <a:schemeClr val="accent1"/>
+                </a:solidFill>
+                <a:latin typeface="Source Code Pro"/>
+                <a:ea typeface="Source Code Pro"/>
+                <a:cs typeface="Source Code Pro"/>
+                <a:sym typeface="Source Code Pro"/>
               </a:defRPr>
             </a:lvl4pPr>
             <a:lvl5pPr lvl="4" algn="r">
               <a:buNone/>
               <a:defRPr sz="1000">
                 <a:solidFill>
-                  <a:schemeClr val="dk2"/>
-                </a:solidFill>
+                  <a:schemeClr val="accent1"/>
+                </a:solidFill>
+                <a:latin typeface="Source Code Pro"/>
+                <a:ea typeface="Source Code Pro"/>
+                <a:cs typeface="Source Code Pro"/>
+                <a:sym typeface="Source Code Pro"/>
               </a:defRPr>
             </a:lvl5pPr>
             <a:lvl6pPr lvl="5" algn="r">
               <a:buNone/>
               <a:defRPr sz="1000">
                 <a:solidFill>
-                  <a:schemeClr val="dk2"/>
-                </a:solidFill>
+                  <a:schemeClr val="accent1"/>
+                </a:solidFill>
+                <a:latin typeface="Source Code Pro"/>
+                <a:ea typeface="Source Code Pro"/>
+                <a:cs typeface="Source Code Pro"/>
+                <a:sym typeface="Source Code Pro"/>
               </a:defRPr>
             </a:lvl6pPr>
             <a:lvl7pPr lvl="6" algn="r">
               <a:buNone/>
               <a:defRPr sz="1000">
                 <a:solidFill>
-                  <a:schemeClr val="dk2"/>
-                </a:solidFill>
+                  <a:schemeClr val="accent1"/>
+                </a:solidFill>
+                <a:latin typeface="Source Code Pro"/>
+                <a:ea typeface="Source Code Pro"/>
+                <a:cs typeface="Source Code Pro"/>
+                <a:sym typeface="Source Code Pro"/>
               </a:defRPr>
             </a:lvl7pPr>
             <a:lvl8pPr lvl="7" algn="r">
               <a:buNone/>
               <a:defRPr sz="1000">
                 <a:solidFill>
-                  <a:schemeClr val="dk2"/>
-                </a:solidFill>
+                  <a:schemeClr val="accent1"/>
+                </a:solidFill>
+                <a:latin typeface="Source Code Pro"/>
+                <a:ea typeface="Source Code Pro"/>
+                <a:cs typeface="Source Code Pro"/>
+                <a:sym typeface="Source Code Pro"/>
               </a:defRPr>
             </a:lvl8pPr>
             <a:lvl9pPr lvl="8" algn="r">
               <a:buNone/>
               <a:defRPr sz="1000">
                 <a:solidFill>
-                  <a:schemeClr val="dk2"/>
-                </a:solidFill>
+                  <a:schemeClr val="accent1"/>
+                </a:solidFill>
+                <a:latin typeface="Source Code Pro"/>
+                <a:ea typeface="Source Code Pro"/>
+                <a:cs typeface="Source Code Pro"/>
+                <a:sym typeface="Source Code Pro"/>
               </a:defRPr>
             </a:lvl9pPr>
           </a:lstStyle>
@@ -5748,7 +6459,7 @@
   <p:cSld>
     <p:spTree>
       <p:nvGrpSpPr>
-        <p:cNvPr id="53" name="Shape 53"/>
+        <p:cNvPr id="55" name="Shape 55"/>
         <p:cNvGrpSpPr/>
         <p:nvPr/>
       </p:nvGrpSpPr>
@@ -5762,7 +6473,7 @@
       </p:grpSpPr>
       <p:sp>
         <p:nvSpPr>
-          <p:cNvPr id="54" name="Google Shape;54;p13"/>
+          <p:cNvPr id="56" name="Google Shape;56;p13"/>
           <p:cNvSpPr txBox="1"/>
           <p:nvPr>
             <p:ph type="ctrTitle"/>
@@ -5770,15 +6481,15 @@
         </p:nvSpPr>
         <p:spPr>
           <a:xfrm>
-            <a:off x="311708" y="744575"/>
-            <a:ext cx="8520600" cy="2052600"/>
+            <a:off x="311700" y="392150"/>
+            <a:ext cx="8520600" cy="2690400"/>
           </a:xfrm>
           <a:prstGeom prst="rect">
             <a:avLst/>
           </a:prstGeom>
         </p:spPr>
         <p:txBody>
-          <a:bodyPr anchorCtr="0" anchor="b" bIns="91425" lIns="91425" spcFirstLastPara="1" rIns="91425" wrap="square" tIns="91425">
+          <a:bodyPr anchorCtr="0" anchor="ctr" bIns="91425" lIns="91425" spcFirstLastPara="1" rIns="91425" wrap="square" tIns="91425">
             <a:noAutofit/>
           </a:bodyPr>
           <a:lstStyle/>
@@ -5820,7 +6531,7 @@
       </p:sp>
       <p:sp>
         <p:nvSpPr>
-          <p:cNvPr id="55" name="Google Shape;55;p13"/>
+          <p:cNvPr id="57" name="Google Shape;57;p13"/>
           <p:cNvSpPr txBox="1"/>
           <p:nvPr>
             <p:ph idx="1" type="subTitle"/>
@@ -5828,15 +6539,15 @@
         </p:nvSpPr>
         <p:spPr>
           <a:xfrm>
-            <a:off x="311700" y="2834125"/>
-            <a:ext cx="8520600" cy="792600"/>
+            <a:off x="311700" y="3890400"/>
+            <a:ext cx="8520600" cy="706200"/>
           </a:xfrm>
           <a:prstGeom prst="rect">
             <a:avLst/>
           </a:prstGeom>
         </p:spPr>
         <p:txBody>
-          <a:bodyPr anchorCtr="0" anchor="t" bIns="91425" lIns="91425" spcFirstLastPara="1" rIns="91425" wrap="square" tIns="91425">
+          <a:bodyPr anchorCtr="0" anchor="ctr" bIns="91425" lIns="91425" spcFirstLastPara="1" rIns="91425" wrap="square" tIns="91425">
             <a:noAutofit/>
           </a:bodyPr>
           <a:lstStyle/>
@@ -6041,7 +6752,7 @@
   <p:cSld>
     <p:spTree>
       <p:nvGrpSpPr>
-        <p:cNvPr id="59" name="Shape 59"/>
+        <p:cNvPr id="61" name="Shape 61"/>
         <p:cNvGrpSpPr/>
         <p:nvPr/>
       </p:nvGrpSpPr>
@@ -6055,7 +6766,7 @@
       </p:grpSpPr>
       <p:sp>
         <p:nvSpPr>
-          <p:cNvPr id="60" name="Google Shape;60;p14"/>
+          <p:cNvPr id="62" name="Google Shape;62;p14"/>
           <p:cNvSpPr txBox="1"/>
           <p:nvPr>
             <p:ph type="title"/>
@@ -6063,8 +6774,8 @@
         </p:nvSpPr>
         <p:spPr>
           <a:xfrm>
-            <a:off x="311700" y="445025"/>
-            <a:ext cx="8520600" cy="572700"/>
+            <a:off x="311700" y="292850"/>
+            <a:ext cx="8520600" cy="801000"/>
           </a:xfrm>
           <a:prstGeom prst="rect">
             <a:avLst/>
@@ -6095,7 +6806,7 @@
       </p:sp>
       <p:sp>
         <p:nvSpPr>
-          <p:cNvPr id="61" name="Google Shape;61;p14"/>
+          <p:cNvPr id="63" name="Google Shape;63;p14"/>
           <p:cNvSpPr txBox="1"/>
           <p:nvPr>
             <p:ph idx="1" type="body"/>
@@ -6135,7 +6846,7 @@
       </p:sp>
       <p:pic>
         <p:nvPicPr>
-          <p:cNvPr id="62" name="Google Shape;62;p14"/>
+          <p:cNvPr id="64" name="Google Shape;64;p14"/>
           <p:cNvPicPr preferRelativeResize="0"/>
           <p:nvPr/>
         </p:nvPicPr>
@@ -6174,7 +6885,7 @@
   <p:cSld>
     <p:spTree>
       <p:nvGrpSpPr>
-        <p:cNvPr id="66" name="Shape 66"/>
+        <p:cNvPr id="68" name="Shape 68"/>
         <p:cNvGrpSpPr/>
         <p:nvPr/>
       </p:nvGrpSpPr>
@@ -6188,7 +6899,7 @@
       </p:grpSpPr>
       <p:sp>
         <p:nvSpPr>
-          <p:cNvPr id="67" name="Google Shape;67;p15"/>
+          <p:cNvPr id="69" name="Google Shape;69;p15"/>
           <p:cNvSpPr txBox="1"/>
           <p:nvPr>
             <p:ph type="title"/>
@@ -6196,8 +6907,8 @@
         </p:nvSpPr>
         <p:spPr>
           <a:xfrm>
-            <a:off x="311700" y="445025"/>
-            <a:ext cx="8520600" cy="572700"/>
+            <a:off x="311700" y="292850"/>
+            <a:ext cx="8520600" cy="801000"/>
           </a:xfrm>
           <a:prstGeom prst="rect">
             <a:avLst/>
@@ -6228,7 +6939,7 @@
       </p:sp>
       <p:sp>
         <p:nvSpPr>
-          <p:cNvPr id="68" name="Google Shape;68;p15"/>
+          <p:cNvPr id="70" name="Google Shape;70;p15"/>
           <p:cNvSpPr txBox="1"/>
           <p:nvPr>
             <p:ph idx="1" type="body"/>
@@ -6268,7 +6979,7 @@
       </p:sp>
       <p:pic>
         <p:nvPicPr>
-          <p:cNvPr id="69" name="Google Shape;69;p15"/>
+          <p:cNvPr id="71" name="Google Shape;71;p15"/>
           <p:cNvPicPr preferRelativeResize="0"/>
           <p:nvPr/>
         </p:nvPicPr>
@@ -6307,7 +7018,7 @@
   <p:cSld>
     <p:spTree>
       <p:nvGrpSpPr>
-        <p:cNvPr id="73" name="Shape 73"/>
+        <p:cNvPr id="75" name="Shape 75"/>
         <p:cNvGrpSpPr/>
         <p:nvPr/>
       </p:nvGrpSpPr>
@@ -6321,7 +7032,7 @@
       </p:grpSpPr>
       <p:sp>
         <p:nvSpPr>
-          <p:cNvPr id="74" name="Google Shape;74;p16"/>
+          <p:cNvPr id="76" name="Google Shape;76;p16"/>
           <p:cNvSpPr txBox="1"/>
           <p:nvPr>
             <p:ph type="title"/>
@@ -6329,8 +7040,8 @@
         </p:nvSpPr>
         <p:spPr>
           <a:xfrm>
-            <a:off x="311700" y="445025"/>
-            <a:ext cx="8520600" cy="572700"/>
+            <a:off x="311700" y="292850"/>
+            <a:ext cx="8520600" cy="801000"/>
           </a:xfrm>
           <a:prstGeom prst="rect">
             <a:avLst/>
@@ -6361,7 +7072,7 @@
       </p:sp>
       <p:sp>
         <p:nvSpPr>
-          <p:cNvPr id="75" name="Google Shape;75;p16"/>
+          <p:cNvPr id="77" name="Google Shape;77;p16"/>
           <p:cNvSpPr txBox="1"/>
           <p:nvPr>
             <p:ph idx="1" type="body"/>
@@ -6409,7 +7120,7 @@
       </p:sp>
       <p:pic>
         <p:nvPicPr>
-          <p:cNvPr id="76" name="Google Shape;76;p16"/>
+          <p:cNvPr id="78" name="Google Shape;78;p16"/>
           <p:cNvPicPr preferRelativeResize="0"/>
           <p:nvPr/>
         </p:nvPicPr>
@@ -6723,44 +7434,44 @@
 </file>
 
 <file path=ppt/theme/theme2.xml><?xml version="1.0" encoding="utf-8"?>
-<a:theme xmlns:a="http://schemas.openxmlformats.org/drawingml/2006/main" xmlns:r="http://schemas.openxmlformats.org/officeDocument/2006/relationships" name="Simple Light">
+<a:theme xmlns:a="http://schemas.openxmlformats.org/drawingml/2006/main" xmlns:r="http://schemas.openxmlformats.org/officeDocument/2006/relationships" name="Beach Day">
   <a:themeElements>
-    <a:clrScheme name="Simple Light">
+    <a:clrScheme name="Beach Day">
       <a:dk1>
-        <a:srgbClr val="000000"/>
+        <a:srgbClr val="00FDC8"/>
       </a:dk1>
       <a:lt1>
         <a:srgbClr val="FFFFFF"/>
       </a:lt1>
       <a:dk2>
-        <a:srgbClr val="595959"/>
+        <a:srgbClr val="666666"/>
       </a:dk2>
       <a:lt2>
         <a:srgbClr val="EEEEEE"/>
       </a:lt2>
       <a:accent1>
-        <a:srgbClr val="4285F4"/>
+        <a:srgbClr val="212121"/>
       </a:accent1>
       <a:accent2>
-        <a:srgbClr val="212121"/>
+        <a:srgbClr val="455A64"/>
       </a:accent2>
       <a:accent3>
         <a:srgbClr val="78909C"/>
       </a:accent3>
       <a:accent4>
-        <a:srgbClr val="FFAB40"/>
+        <a:srgbClr val="7C7CE0"/>
       </a:accent4>
       <a:accent5>
-        <a:srgbClr val="0097A7"/>
+        <a:srgbClr val="DB4437"/>
       </a:accent5>
       <a:accent6>
-        <a:srgbClr val="EEFF41"/>
+        <a:srgbClr val="F6CD4C"/>
       </a:accent6>
       <a:hlink>
-        <a:srgbClr val="0097A7"/>
+        <a:srgbClr val="DB4437"/>
       </a:hlink>
       <a:folHlink>
-        <a:srgbClr val="0097A7"/>
+        <a:srgbClr val="DB4437"/>
       </a:folHlink>
     </a:clrScheme>
     <a:fontScheme name="Office">
